--- a/Presentation.pptx
+++ b/Presentation.pptx
@@ -8,6 +8,9 @@
     <p:sldId id="256" r:id="rId2"/>
     <p:sldId id="257" r:id="rId3"/>
     <p:sldId id="258" r:id="rId4"/>
+    <p:sldId id="259" r:id="rId5"/>
+    <p:sldId id="260" r:id="rId6"/>
+    <p:sldId id="262" r:id="rId7"/>
   </p:sldIdLst>
   <p:sldSz cx="12192000" cy="6858000"/>
   <p:notesSz cx="6858000" cy="9144000"/>
@@ -3064,7 +3067,12 @@
             <p:ph type="title"/>
           </p:nvPr>
         </p:nvSpPr>
-        <p:spPr/>
+        <p:spPr>
+          <a:xfrm>
+            <a:off x="143094" y="25244"/>
+            <a:ext cx="10515600" cy="1325563"/>
+          </a:xfrm>
+        </p:spPr>
         <p:txBody>
           <a:bodyPr/>
           <a:lstStyle/>
@@ -3101,8 +3109,8 @@
         </p:blipFill>
         <p:spPr>
           <a:xfrm>
-            <a:off x="838200" y="2489994"/>
-            <a:ext cx="5181600" cy="3022600"/>
+            <a:off x="516240" y="1825625"/>
+            <a:ext cx="6320518" cy="3686969"/>
           </a:xfrm>
         </p:spPr>
       </p:pic>
@@ -3148,7 +3156,7 @@
   <p:timing>
     <p:tnLst>
       <p:par>
-        <p:cTn id="1" dur="indefinite" restart="never" nodeType="tmRoot"/>
+        <p:cTn xmlns:p14="http://schemas.microsoft.com/office/powerpoint/2010/main" id="1" dur="indefinite" restart="never" nodeType="tmRoot"/>
       </p:par>
     </p:tnLst>
   </p:timing>
@@ -3172,6 +3180,255 @@
           <a:chExt cx="0" cy="0"/>
         </a:xfrm>
       </p:grpSpPr>
+      <p:sp>
+        <p:nvSpPr>
+          <p:cNvPr id="3" name="Title 3"/>
+          <p:cNvSpPr txBox="1">
+            <a:spLocks/>
+          </p:cNvSpPr>
+          <p:nvPr/>
+        </p:nvSpPr>
+        <p:spPr>
+          <a:xfrm>
+            <a:off x="143094" y="0"/>
+            <a:ext cx="10515600" cy="1325563"/>
+          </a:xfrm>
+          <a:prstGeom prst="rect">
+            <a:avLst/>
+          </a:prstGeom>
+        </p:spPr>
+        <p:txBody>
+          <a:bodyPr/>
+          <a:lstStyle>
+            <a:lvl1pPr algn="l" defTabSz="914400" rtl="0" eaLnBrk="1" latinLnBrk="0" hangingPunct="1">
+              <a:lnSpc>
+                <a:spcPct val="90000"/>
+              </a:lnSpc>
+              <a:spcBef>
+                <a:spcPct val="0"/>
+              </a:spcBef>
+              <a:buNone/>
+              <a:defRPr sz="4400" kern="1200">
+                <a:solidFill>
+                  <a:schemeClr val="tx1"/>
+                </a:solidFill>
+                <a:latin typeface="+mj-lt"/>
+                <a:ea typeface="+mj-ea"/>
+                <a:cs typeface="+mj-cs"/>
+              </a:defRPr>
+            </a:lvl1pPr>
+          </a:lstStyle>
+          <a:p>
+            <a:r>
+              <a:rPr lang="en-US" dirty="0" smtClean="0"/>
+              <a:t>Special Features </a:t>
+            </a:r>
+            <a:endParaRPr lang="en-US" dirty="0"/>
+          </a:p>
+        </p:txBody>
+      </p:sp>
+      <p:sp>
+        <p:nvSpPr>
+          <p:cNvPr id="4" name="Title 3"/>
+          <p:cNvSpPr txBox="1">
+            <a:spLocks/>
+          </p:cNvSpPr>
+          <p:nvPr/>
+        </p:nvSpPr>
+        <p:spPr>
+          <a:xfrm>
+            <a:off x="143094" y="1056448"/>
+            <a:ext cx="4972493" cy="538230"/>
+          </a:xfrm>
+          <a:prstGeom prst="rect">
+            <a:avLst/>
+          </a:prstGeom>
+        </p:spPr>
+        <p:txBody>
+          <a:bodyPr/>
+          <a:lstStyle>
+            <a:lvl1pPr algn="l" defTabSz="914400" rtl="0" eaLnBrk="1" latinLnBrk="0" hangingPunct="1">
+              <a:lnSpc>
+                <a:spcPct val="90000"/>
+              </a:lnSpc>
+              <a:spcBef>
+                <a:spcPct val="0"/>
+              </a:spcBef>
+              <a:buNone/>
+              <a:defRPr sz="4400" kern="1200">
+                <a:solidFill>
+                  <a:schemeClr val="tx1"/>
+                </a:solidFill>
+                <a:latin typeface="+mj-lt"/>
+                <a:ea typeface="+mj-ea"/>
+                <a:cs typeface="+mj-cs"/>
+              </a:defRPr>
+            </a:lvl1pPr>
+          </a:lstStyle>
+          <a:p>
+            <a:r>
+              <a:rPr lang="en-US" sz="2800" b="1" dirty="0" smtClean="0"/>
+              <a:t>Dynamic Threshold</a:t>
+            </a:r>
+            <a:endParaRPr lang="en-US" sz="2800" b="1" dirty="0"/>
+          </a:p>
+        </p:txBody>
+      </p:sp>
+      <p:pic>
+        <p:nvPicPr>
+          <p:cNvPr id="5" name="Picture 4" descr="Figme.png"/>
+          <p:cNvPicPr>
+            <a:picLocks noChangeAspect="1"/>
+          </p:cNvPicPr>
+          <p:nvPr/>
+        </p:nvPicPr>
+        <p:blipFill>
+          <a:blip r:embed="rId2">
+            <a:extLst>
+              <a:ext uri="{28A0092B-C50C-407E-A947-70E740481C1C}">
+                <a14:useLocalDpi xmlns:a14="http://schemas.microsoft.com/office/drawing/2010/main" val="0"/>
+              </a:ext>
+            </a:extLst>
+          </a:blip>
+          <a:stretch>
+            <a:fillRect/>
+          </a:stretch>
+        </p:blipFill>
+        <p:spPr>
+          <a:xfrm>
+            <a:off x="4505983" y="772467"/>
+            <a:ext cx="7406091" cy="5554569"/>
+          </a:xfrm>
+          <a:prstGeom prst="rect">
+            <a:avLst/>
+          </a:prstGeom>
+        </p:spPr>
+      </p:pic>
+      <p:pic>
+        <p:nvPicPr>
+          <p:cNvPr id="9" name="Picture 8"/>
+          <p:cNvPicPr>
+            <a:picLocks noChangeAspect="1"/>
+          </p:cNvPicPr>
+          <p:nvPr/>
+        </p:nvPicPr>
+        <p:blipFill>
+          <a:blip r:embed="rId3"/>
+          <a:stretch>
+            <a:fillRect/>
+          </a:stretch>
+        </p:blipFill>
+        <p:spPr>
+          <a:xfrm>
+            <a:off x="619773" y="2931485"/>
+            <a:ext cx="3709601" cy="1236534"/>
+          </a:xfrm>
+          <a:prstGeom prst="rect">
+            <a:avLst/>
+          </a:prstGeom>
+        </p:spPr>
+      </p:pic>
+      <p:pic>
+        <p:nvPicPr>
+          <p:cNvPr id="11" name="Picture 10"/>
+          <p:cNvPicPr>
+            <a:picLocks noChangeAspect="1"/>
+          </p:cNvPicPr>
+          <p:nvPr/>
+        </p:nvPicPr>
+        <p:blipFill>
+          <a:blip r:embed="rId4"/>
+          <a:stretch>
+            <a:fillRect/>
+          </a:stretch>
+        </p:blipFill>
+        <p:spPr>
+          <a:xfrm>
+            <a:off x="277406" y="1818477"/>
+            <a:ext cx="4712500" cy="942500"/>
+          </a:xfrm>
+          <a:prstGeom prst="rect">
+            <a:avLst/>
+          </a:prstGeom>
+        </p:spPr>
+      </p:pic>
+      <p:sp>
+        <p:nvSpPr>
+          <p:cNvPr id="12" name="Title 3"/>
+          <p:cNvSpPr txBox="1">
+            <a:spLocks/>
+          </p:cNvSpPr>
+          <p:nvPr/>
+        </p:nvSpPr>
+        <p:spPr>
+          <a:xfrm>
+            <a:off x="619773" y="4437134"/>
+            <a:ext cx="4972493" cy="538230"/>
+          </a:xfrm>
+          <a:prstGeom prst="rect">
+            <a:avLst/>
+          </a:prstGeom>
+        </p:spPr>
+        <p:txBody>
+          <a:bodyPr/>
+          <a:lstStyle>
+            <a:lvl1pPr algn="l" defTabSz="914400" rtl="0" eaLnBrk="1" latinLnBrk="0" hangingPunct="1">
+              <a:lnSpc>
+                <a:spcPct val="90000"/>
+              </a:lnSpc>
+              <a:spcBef>
+                <a:spcPct val="0"/>
+              </a:spcBef>
+              <a:buNone/>
+              <a:defRPr sz="4400" kern="1200">
+                <a:solidFill>
+                  <a:schemeClr val="tx1"/>
+                </a:solidFill>
+                <a:latin typeface="+mj-lt"/>
+                <a:ea typeface="+mj-ea"/>
+                <a:cs typeface="+mj-cs"/>
+              </a:defRPr>
+            </a:lvl1pPr>
+          </a:lstStyle>
+          <a:p>
+            <a:pPr marL="457200" indent="-457200">
+              <a:buFont typeface="Wingdings" charset="2"/>
+              <a:buChar char="§"/>
+            </a:pPr>
+            <a:r>
+              <a:rPr lang="en-US" sz="2800" dirty="0" smtClean="0"/>
+              <a:t>A rounded to integer</a:t>
+            </a:r>
+          </a:p>
+          <a:p>
+            <a:pPr marL="457200" indent="-457200">
+              <a:buFont typeface="Wingdings" charset="2"/>
+              <a:buChar char="§"/>
+            </a:pPr>
+            <a:r>
+              <a:rPr lang="en-US" sz="2800" dirty="0" smtClean="0"/>
+              <a:t>Counts on Deceleration </a:t>
+            </a:r>
+          </a:p>
+          <a:p>
+            <a:pPr marL="457200" indent="-457200">
+              <a:buFont typeface="Wingdings" charset="2"/>
+              <a:buChar char="§"/>
+            </a:pPr>
+            <a:r>
+              <a:rPr lang="en-US" sz="2800" dirty="0" smtClean="0"/>
+              <a:t>4 Step Count Minimum</a:t>
+            </a:r>
+          </a:p>
+          <a:p>
+            <a:pPr marL="457200" indent="-457200">
+              <a:buFont typeface="Wingdings" charset="2"/>
+              <a:buChar char="§"/>
+            </a:pPr>
+            <a:endParaRPr lang="en-US" sz="2800" dirty="0"/>
+          </a:p>
+        </p:txBody>
+      </p:sp>
     </p:spTree>
     <p:extLst>
       <p:ext uri="{BB962C8B-B14F-4D97-AF65-F5344CB8AC3E}">
@@ -3182,21 +3439,913 @@
   <p:clrMapOvr>
     <a:masterClrMapping/>
   </p:clrMapOvr>
-  <mc:AlternateContent xmlns:mc="http://schemas.openxmlformats.org/markup-compatibility/2006">
-    <mc:Choice xmlns:p14="http://schemas.microsoft.com/office/powerpoint/2010/main" Requires="p14">
+  <mc:AlternateContent xmlns:mc="http://schemas.openxmlformats.org/markup-compatibility/2006" xmlns:p14="http://schemas.microsoft.com/office/powerpoint/2010/main">
+    <mc:Choice Requires="p14">
       <p:transition p14:dur="0"/>
     </mc:Choice>
-    <mc:Fallback>
+    <mc:Fallback xmlns="">
       <p:transition/>
     </mc:Fallback>
   </mc:AlternateContent>
   <p:timing>
     <p:tnLst>
       <p:par>
-        <p:cTn id="1" dur="indefinite" restart="never" nodeType="tmRoot"/>
+        <p:cTn xmlns:p14="http://schemas.microsoft.com/office/powerpoint/2010/main" id="1" dur="indefinite" restart="never" nodeType="tmRoot"/>
       </p:par>
     </p:tnLst>
   </p:timing>
+</p:sld>
+</file>
+
+<file path=ppt/slides/slide4.xml><?xml version="1.0" encoding="utf-8"?>
+<p:sld xmlns:a="http://schemas.openxmlformats.org/drawingml/2006/main" xmlns:r="http://schemas.openxmlformats.org/officeDocument/2006/relationships" xmlns:p="http://schemas.openxmlformats.org/presentationml/2006/main">
+  <p:cSld>
+    <p:spTree>
+      <p:nvGrpSpPr>
+        <p:cNvPr id="1" name=""/>
+        <p:cNvGrpSpPr/>
+        <p:nvPr/>
+      </p:nvGrpSpPr>
+      <p:grpSpPr>
+        <a:xfrm>
+          <a:off x="0" y="0"/>
+          <a:ext cx="0" cy="0"/>
+          <a:chOff x="0" y="0"/>
+          <a:chExt cx="0" cy="0"/>
+        </a:xfrm>
+      </p:grpSpPr>
+      <p:sp>
+        <p:nvSpPr>
+          <p:cNvPr id="2" name="Title 3"/>
+          <p:cNvSpPr txBox="1">
+            <a:spLocks/>
+          </p:cNvSpPr>
+          <p:nvPr/>
+        </p:nvSpPr>
+        <p:spPr>
+          <a:xfrm>
+            <a:off x="143094" y="0"/>
+            <a:ext cx="10515600" cy="1325563"/>
+          </a:xfrm>
+          <a:prstGeom prst="rect">
+            <a:avLst/>
+          </a:prstGeom>
+        </p:spPr>
+        <p:txBody>
+          <a:bodyPr/>
+          <a:lstStyle>
+            <a:lvl1pPr algn="l" defTabSz="914400" rtl="0" eaLnBrk="1" latinLnBrk="0" hangingPunct="1">
+              <a:lnSpc>
+                <a:spcPct val="90000"/>
+              </a:lnSpc>
+              <a:spcBef>
+                <a:spcPct val="0"/>
+              </a:spcBef>
+              <a:buNone/>
+              <a:defRPr sz="4400" kern="1200">
+                <a:solidFill>
+                  <a:schemeClr val="tx1"/>
+                </a:solidFill>
+                <a:latin typeface="+mj-lt"/>
+                <a:ea typeface="+mj-ea"/>
+                <a:cs typeface="+mj-cs"/>
+              </a:defRPr>
+            </a:lvl1pPr>
+          </a:lstStyle>
+          <a:p>
+            <a:r>
+              <a:rPr lang="en-US" dirty="0" smtClean="0"/>
+              <a:t>Special Features </a:t>
+            </a:r>
+            <a:endParaRPr lang="en-US" dirty="0"/>
+          </a:p>
+        </p:txBody>
+      </p:sp>
+      <p:sp>
+        <p:nvSpPr>
+          <p:cNvPr id="4" name="Title 3"/>
+          <p:cNvSpPr txBox="1">
+            <a:spLocks/>
+          </p:cNvSpPr>
+          <p:nvPr/>
+        </p:nvSpPr>
+        <p:spPr>
+          <a:xfrm>
+            <a:off x="143094" y="1071733"/>
+            <a:ext cx="1010233" cy="507659"/>
+          </a:xfrm>
+          <a:prstGeom prst="rect">
+            <a:avLst/>
+          </a:prstGeom>
+        </p:spPr>
+        <p:txBody>
+          <a:bodyPr/>
+          <a:lstStyle>
+            <a:lvl1pPr algn="l" defTabSz="914400" rtl="0" eaLnBrk="1" latinLnBrk="0" hangingPunct="1">
+              <a:lnSpc>
+                <a:spcPct val="90000"/>
+              </a:lnSpc>
+              <a:spcBef>
+                <a:spcPct val="0"/>
+              </a:spcBef>
+              <a:buNone/>
+              <a:defRPr sz="4400" kern="1200">
+                <a:solidFill>
+                  <a:schemeClr val="tx1"/>
+                </a:solidFill>
+                <a:latin typeface="+mj-lt"/>
+                <a:ea typeface="+mj-ea"/>
+                <a:cs typeface="+mj-cs"/>
+              </a:defRPr>
+            </a:lvl1pPr>
+          </a:lstStyle>
+          <a:p>
+            <a:r>
+              <a:rPr lang="en-US" sz="2800" b="1" dirty="0" smtClean="0"/>
+              <a:t>Sleep</a:t>
+            </a:r>
+            <a:r>
+              <a:rPr lang="en-US" sz="2800" dirty="0" smtClean="0"/>
+              <a:t> </a:t>
+            </a:r>
+            <a:endParaRPr lang="en-US" sz="2800" dirty="0"/>
+          </a:p>
+        </p:txBody>
+      </p:sp>
+      <p:sp>
+        <p:nvSpPr>
+          <p:cNvPr id="6" name="Title 3"/>
+          <p:cNvSpPr txBox="1">
+            <a:spLocks/>
+          </p:cNvSpPr>
+          <p:nvPr/>
+        </p:nvSpPr>
+        <p:spPr>
+          <a:xfrm>
+            <a:off x="160979" y="1633846"/>
+            <a:ext cx="5831055" cy="1677340"/>
+          </a:xfrm>
+          <a:prstGeom prst="rect">
+            <a:avLst/>
+          </a:prstGeom>
+        </p:spPr>
+        <p:txBody>
+          <a:bodyPr/>
+          <a:lstStyle>
+            <a:lvl1pPr algn="l" defTabSz="914400" rtl="0" eaLnBrk="1" latinLnBrk="0" hangingPunct="1">
+              <a:lnSpc>
+                <a:spcPct val="90000"/>
+              </a:lnSpc>
+              <a:spcBef>
+                <a:spcPct val="0"/>
+              </a:spcBef>
+              <a:buNone/>
+              <a:defRPr sz="4400" kern="1200">
+                <a:solidFill>
+                  <a:schemeClr val="tx1"/>
+                </a:solidFill>
+                <a:latin typeface="+mj-lt"/>
+                <a:ea typeface="+mj-ea"/>
+                <a:cs typeface="+mj-cs"/>
+              </a:defRPr>
+            </a:lvl1pPr>
+          </a:lstStyle>
+          <a:p>
+            <a:pPr marL="457200" indent="-457200">
+              <a:buFont typeface="Wingdings" charset="2"/>
+              <a:buChar char="§"/>
+            </a:pPr>
+            <a:r>
+              <a:rPr lang="en-US" sz="2800" dirty="0" smtClean="0"/>
+              <a:t>LCD Screen sleeps after 10 seconds to save battery  </a:t>
+            </a:r>
+          </a:p>
+          <a:p>
+            <a:pPr marL="457200" indent="-457200">
+              <a:buFont typeface="Wingdings" charset="2"/>
+              <a:buChar char="§"/>
+            </a:pPr>
+            <a:r>
+              <a:rPr lang="en-US" sz="2800" dirty="0" smtClean="0"/>
+              <a:t>Step counting continues</a:t>
+            </a:r>
+            <a:endParaRPr lang="en-US" sz="2800" dirty="0"/>
+          </a:p>
+        </p:txBody>
+      </p:sp>
+      <p:sp>
+        <p:nvSpPr>
+          <p:cNvPr id="7" name="Title 3"/>
+          <p:cNvSpPr txBox="1">
+            <a:spLocks/>
+          </p:cNvSpPr>
+          <p:nvPr/>
+        </p:nvSpPr>
+        <p:spPr>
+          <a:xfrm>
+            <a:off x="160979" y="3674856"/>
+            <a:ext cx="3424933" cy="507659"/>
+          </a:xfrm>
+          <a:prstGeom prst="rect">
+            <a:avLst/>
+          </a:prstGeom>
+        </p:spPr>
+        <p:txBody>
+          <a:bodyPr/>
+          <a:lstStyle>
+            <a:lvl1pPr algn="l" defTabSz="914400" rtl="0" eaLnBrk="1" latinLnBrk="0" hangingPunct="1">
+              <a:lnSpc>
+                <a:spcPct val="90000"/>
+              </a:lnSpc>
+              <a:spcBef>
+                <a:spcPct val="0"/>
+              </a:spcBef>
+              <a:buNone/>
+              <a:defRPr sz="4400" kern="1200">
+                <a:solidFill>
+                  <a:schemeClr val="tx1"/>
+                </a:solidFill>
+                <a:latin typeface="+mj-lt"/>
+                <a:ea typeface="+mj-ea"/>
+                <a:cs typeface="+mj-cs"/>
+              </a:defRPr>
+            </a:lvl1pPr>
+          </a:lstStyle>
+          <a:p>
+            <a:r>
+              <a:rPr lang="en-US" sz="2800" b="1" dirty="0" smtClean="0"/>
+              <a:t>Activity Level</a:t>
+            </a:r>
+            <a:r>
+              <a:rPr lang="en-US" sz="2800" b="1" baseline="30000" dirty="0" smtClean="0"/>
+              <a:t>1</a:t>
+            </a:r>
+            <a:r>
+              <a:rPr lang="en-US" sz="2800" b="1" dirty="0" smtClean="0"/>
+              <a:t> </a:t>
+            </a:r>
+            <a:endParaRPr lang="en-US" sz="2800" dirty="0"/>
+          </a:p>
+        </p:txBody>
+      </p:sp>
+      <p:sp>
+        <p:nvSpPr>
+          <p:cNvPr id="8" name="Title 3"/>
+          <p:cNvSpPr txBox="1">
+            <a:spLocks/>
+          </p:cNvSpPr>
+          <p:nvPr/>
+        </p:nvSpPr>
+        <p:spPr>
+          <a:xfrm>
+            <a:off x="313379" y="4182515"/>
+            <a:ext cx="5831055" cy="1677340"/>
+          </a:xfrm>
+          <a:prstGeom prst="rect">
+            <a:avLst/>
+          </a:prstGeom>
+        </p:spPr>
+        <p:txBody>
+          <a:bodyPr/>
+          <a:lstStyle>
+            <a:lvl1pPr algn="l" defTabSz="914400" rtl="0" eaLnBrk="1" latinLnBrk="0" hangingPunct="1">
+              <a:lnSpc>
+                <a:spcPct val="90000"/>
+              </a:lnSpc>
+              <a:spcBef>
+                <a:spcPct val="0"/>
+              </a:spcBef>
+              <a:buNone/>
+              <a:defRPr sz="4400" kern="1200">
+                <a:solidFill>
+                  <a:schemeClr val="tx1"/>
+                </a:solidFill>
+                <a:latin typeface="+mj-lt"/>
+                <a:ea typeface="+mj-ea"/>
+                <a:cs typeface="+mj-cs"/>
+              </a:defRPr>
+            </a:lvl1pPr>
+          </a:lstStyle>
+          <a:p>
+            <a:pPr marL="457200" indent="-457200">
+              <a:buFont typeface="Wingdings" charset="2"/>
+              <a:buChar char="§"/>
+            </a:pPr>
+            <a:r>
+              <a:rPr lang="en-US" sz="2800" dirty="0" smtClean="0"/>
+              <a:t>Level 1: &lt;120 steps per minute</a:t>
+            </a:r>
+          </a:p>
+          <a:p>
+            <a:pPr marL="457200" indent="-457200">
+              <a:buFont typeface="Wingdings" charset="2"/>
+              <a:buChar char="§"/>
+            </a:pPr>
+            <a:r>
+              <a:rPr lang="en-US" sz="2800" dirty="0" smtClean="0"/>
+              <a:t>Level 2: &lt;160 steps per minute</a:t>
+            </a:r>
+          </a:p>
+          <a:p>
+            <a:pPr marL="457200" indent="-457200">
+              <a:buFont typeface="Wingdings" charset="2"/>
+              <a:buChar char="§"/>
+            </a:pPr>
+            <a:r>
+              <a:rPr lang="en-US" sz="2800" dirty="0" smtClean="0"/>
+              <a:t>Level 3: &gt;160 steps per minute </a:t>
+            </a:r>
+            <a:endParaRPr lang="en-US" sz="2800" dirty="0"/>
+          </a:p>
+        </p:txBody>
+      </p:sp>
+      <p:sp>
+        <p:nvSpPr>
+          <p:cNvPr id="9" name="Title 3"/>
+          <p:cNvSpPr txBox="1">
+            <a:spLocks/>
+          </p:cNvSpPr>
+          <p:nvPr/>
+        </p:nvSpPr>
+        <p:spPr>
+          <a:xfrm>
+            <a:off x="143094" y="6350413"/>
+            <a:ext cx="12048906" cy="507587"/>
+          </a:xfrm>
+          <a:prstGeom prst="rect">
+            <a:avLst/>
+          </a:prstGeom>
+        </p:spPr>
+        <p:txBody>
+          <a:bodyPr/>
+          <a:lstStyle>
+            <a:lvl1pPr algn="l" defTabSz="914400" rtl="0" eaLnBrk="1" latinLnBrk="0" hangingPunct="1">
+              <a:lnSpc>
+                <a:spcPct val="90000"/>
+              </a:lnSpc>
+              <a:spcBef>
+                <a:spcPct val="0"/>
+              </a:spcBef>
+              <a:buNone/>
+              <a:defRPr sz="4400" kern="1200">
+                <a:solidFill>
+                  <a:schemeClr val="tx1"/>
+                </a:solidFill>
+                <a:latin typeface="+mj-lt"/>
+                <a:ea typeface="+mj-ea"/>
+                <a:cs typeface="+mj-cs"/>
+              </a:defRPr>
+            </a:lvl1pPr>
+          </a:lstStyle>
+          <a:p>
+            <a:r>
+              <a:rPr lang="en-US" sz="1800" b="1" baseline="30000" dirty="0" smtClean="0"/>
+              <a:t>1</a:t>
+            </a:r>
+            <a:r>
+              <a:rPr lang="en-US" sz="1600" b="1" dirty="0" smtClean="0"/>
+              <a:t>United States Army, Fort </a:t>
+            </a:r>
+            <a:r>
+              <a:rPr lang="en-US" sz="1600" b="1" dirty="0" err="1" smtClean="0"/>
+              <a:t>Benning</a:t>
+            </a:r>
+            <a:r>
+              <a:rPr lang="en-US" sz="1600" b="1" dirty="0"/>
+              <a:t>. &lt;http://</a:t>
+            </a:r>
+            <a:r>
+              <a:rPr lang="en-US" sz="1600" b="1" dirty="0" err="1"/>
+              <a:t>www.benning.army.mil</a:t>
+            </a:r>
+            <a:r>
+              <a:rPr lang="en-US" sz="1600" b="1" dirty="0"/>
+              <a:t>/</a:t>
+            </a:r>
+            <a:r>
+              <a:rPr lang="en-US" sz="1600" b="1" dirty="0" err="1"/>
+              <a:t>mcoe</a:t>
+            </a:r>
+            <a:r>
+              <a:rPr lang="en-US" sz="1600" b="1" dirty="0"/>
+              <a:t>/</a:t>
+            </a:r>
+            <a:r>
+              <a:rPr lang="en-US" sz="1600" b="1" dirty="0" err="1"/>
+              <a:t>CommunityHealth</a:t>
+            </a:r>
+            <a:r>
+              <a:rPr lang="en-US" sz="1600" b="1" dirty="0"/>
+              <a:t>/content/</a:t>
+            </a:r>
+            <a:r>
+              <a:rPr lang="en-US" sz="1600" b="1" dirty="0" err="1"/>
+              <a:t>pdf</a:t>
+            </a:r>
+            <a:r>
+              <a:rPr lang="en-US" sz="1600" b="1" dirty="0"/>
+              <a:t>/Step%20Conversion%</a:t>
+            </a:r>
+            <a:r>
+              <a:rPr lang="en-US" sz="1600" b="1" dirty="0" smtClean="0"/>
+              <a:t>20Chart.pdf&gt;</a:t>
+            </a:r>
+            <a:r>
+              <a:rPr lang="en-US" sz="2800" b="1" dirty="0" smtClean="0"/>
+              <a:t> </a:t>
+            </a:r>
+            <a:endParaRPr lang="en-US" sz="2800" dirty="0"/>
+          </a:p>
+        </p:txBody>
+      </p:sp>
+    </p:spTree>
+    <p:extLst>
+      <p:ext uri="{BB962C8B-B14F-4D97-AF65-F5344CB8AC3E}">
+        <p14:creationId xmlns:p14="http://schemas.microsoft.com/office/powerpoint/2010/main" val="3457511621"/>
+      </p:ext>
+    </p:extLst>
+  </p:cSld>
+  <p:clrMapOvr>
+    <a:masterClrMapping/>
+  </p:clrMapOvr>
+</p:sld>
+</file>
+
+<file path=ppt/slides/slide5.xml><?xml version="1.0" encoding="utf-8"?>
+<p:sld xmlns:a="http://schemas.openxmlformats.org/drawingml/2006/main" xmlns:r="http://schemas.openxmlformats.org/officeDocument/2006/relationships" xmlns:p="http://schemas.openxmlformats.org/presentationml/2006/main">
+  <p:cSld>
+    <p:spTree>
+      <p:nvGrpSpPr>
+        <p:cNvPr id="1" name=""/>
+        <p:cNvGrpSpPr/>
+        <p:nvPr/>
+      </p:nvGrpSpPr>
+      <p:grpSpPr>
+        <a:xfrm>
+          <a:off x="0" y="0"/>
+          <a:ext cx="0" cy="0"/>
+          <a:chOff x="0" y="0"/>
+          <a:chExt cx="0" cy="0"/>
+        </a:xfrm>
+      </p:grpSpPr>
+      <p:sp>
+        <p:nvSpPr>
+          <p:cNvPr id="2" name="Title 3"/>
+          <p:cNvSpPr txBox="1">
+            <a:spLocks/>
+          </p:cNvSpPr>
+          <p:nvPr/>
+        </p:nvSpPr>
+        <p:spPr>
+          <a:xfrm>
+            <a:off x="143094" y="1146678"/>
+            <a:ext cx="2504132" cy="655091"/>
+          </a:xfrm>
+          <a:prstGeom prst="rect">
+            <a:avLst/>
+          </a:prstGeom>
+        </p:spPr>
+        <p:txBody>
+          <a:bodyPr/>
+          <a:lstStyle>
+            <a:lvl1pPr algn="l" defTabSz="914400" rtl="0" eaLnBrk="1" latinLnBrk="0" hangingPunct="1">
+              <a:lnSpc>
+                <a:spcPct val="90000"/>
+              </a:lnSpc>
+              <a:spcBef>
+                <a:spcPct val="0"/>
+              </a:spcBef>
+              <a:buNone/>
+              <a:defRPr sz="4400" kern="1200">
+                <a:solidFill>
+                  <a:schemeClr val="tx1"/>
+                </a:solidFill>
+                <a:latin typeface="+mj-lt"/>
+                <a:ea typeface="+mj-ea"/>
+                <a:cs typeface="+mj-cs"/>
+              </a:defRPr>
+            </a:lvl1pPr>
+          </a:lstStyle>
+          <a:p>
+            <a:r>
+              <a:rPr lang="en-US" sz="2800" b="1" dirty="0" smtClean="0"/>
+              <a:t>Trainer Mode</a:t>
+            </a:r>
+            <a:endParaRPr lang="en-US" sz="2800" b="1" dirty="0"/>
+          </a:p>
+        </p:txBody>
+      </p:sp>
+      <p:sp>
+        <p:nvSpPr>
+          <p:cNvPr id="3" name="Title 3"/>
+          <p:cNvSpPr txBox="1">
+            <a:spLocks/>
+          </p:cNvSpPr>
+          <p:nvPr/>
+        </p:nvSpPr>
+        <p:spPr>
+          <a:xfrm>
+            <a:off x="143094" y="0"/>
+            <a:ext cx="10515600" cy="1325563"/>
+          </a:xfrm>
+          <a:prstGeom prst="rect">
+            <a:avLst/>
+          </a:prstGeom>
+        </p:spPr>
+        <p:txBody>
+          <a:bodyPr/>
+          <a:lstStyle>
+            <a:lvl1pPr algn="l" defTabSz="914400" rtl="0" eaLnBrk="1" latinLnBrk="0" hangingPunct="1">
+              <a:lnSpc>
+                <a:spcPct val="90000"/>
+              </a:lnSpc>
+              <a:spcBef>
+                <a:spcPct val="0"/>
+              </a:spcBef>
+              <a:buNone/>
+              <a:defRPr sz="4400" kern="1200">
+                <a:solidFill>
+                  <a:schemeClr val="tx1"/>
+                </a:solidFill>
+                <a:latin typeface="+mj-lt"/>
+                <a:ea typeface="+mj-ea"/>
+                <a:cs typeface="+mj-cs"/>
+              </a:defRPr>
+            </a:lvl1pPr>
+          </a:lstStyle>
+          <a:p>
+            <a:r>
+              <a:rPr lang="en-US" dirty="0" smtClean="0"/>
+              <a:t>Special Features </a:t>
+            </a:r>
+            <a:endParaRPr lang="en-US" dirty="0"/>
+          </a:p>
+        </p:txBody>
+      </p:sp>
+      <p:sp>
+        <p:nvSpPr>
+          <p:cNvPr id="4" name="Title 3"/>
+          <p:cNvSpPr txBox="1">
+            <a:spLocks/>
+          </p:cNvSpPr>
+          <p:nvPr/>
+        </p:nvSpPr>
+        <p:spPr>
+          <a:xfrm>
+            <a:off x="160979" y="1633846"/>
+            <a:ext cx="6331881" cy="1677340"/>
+          </a:xfrm>
+          <a:prstGeom prst="rect">
+            <a:avLst/>
+          </a:prstGeom>
+        </p:spPr>
+        <p:txBody>
+          <a:bodyPr/>
+          <a:lstStyle>
+            <a:lvl1pPr algn="l" defTabSz="914400" rtl="0" eaLnBrk="1" latinLnBrk="0" hangingPunct="1">
+              <a:lnSpc>
+                <a:spcPct val="90000"/>
+              </a:lnSpc>
+              <a:spcBef>
+                <a:spcPct val="0"/>
+              </a:spcBef>
+              <a:buNone/>
+              <a:defRPr sz="4400" kern="1200">
+                <a:solidFill>
+                  <a:schemeClr val="tx1"/>
+                </a:solidFill>
+                <a:latin typeface="+mj-lt"/>
+                <a:ea typeface="+mj-ea"/>
+                <a:cs typeface="+mj-cs"/>
+              </a:defRPr>
+            </a:lvl1pPr>
+          </a:lstStyle>
+          <a:p>
+            <a:pPr marL="457200" indent="-457200">
+              <a:buFont typeface="Wingdings" charset="2"/>
+              <a:buChar char="§"/>
+            </a:pPr>
+            <a:r>
+              <a:rPr lang="en-US" sz="2800" dirty="0" smtClean="0"/>
+              <a:t>User-sets desired activity level</a:t>
+            </a:r>
+          </a:p>
+          <a:p>
+            <a:pPr marL="457200" indent="-457200">
+              <a:buFont typeface="Wingdings" charset="2"/>
+              <a:buChar char="§"/>
+            </a:pPr>
+            <a:r>
+              <a:rPr lang="en-US" sz="2800" dirty="0" smtClean="0"/>
+              <a:t>Pedometer will beep if the user falls below this activity level</a:t>
+            </a:r>
+            <a:endParaRPr lang="en-US" sz="2800" dirty="0"/>
+          </a:p>
+        </p:txBody>
+      </p:sp>
+      <p:sp>
+        <p:nvSpPr>
+          <p:cNvPr id="5" name="Title 3"/>
+          <p:cNvSpPr txBox="1">
+            <a:spLocks/>
+          </p:cNvSpPr>
+          <p:nvPr/>
+        </p:nvSpPr>
+        <p:spPr>
+          <a:xfrm>
+            <a:off x="160979" y="3674856"/>
+            <a:ext cx="3424933" cy="507659"/>
+          </a:xfrm>
+          <a:prstGeom prst="rect">
+            <a:avLst/>
+          </a:prstGeom>
+        </p:spPr>
+        <p:txBody>
+          <a:bodyPr/>
+          <a:lstStyle>
+            <a:lvl1pPr algn="l" defTabSz="914400" rtl="0" eaLnBrk="1" latinLnBrk="0" hangingPunct="1">
+              <a:lnSpc>
+                <a:spcPct val="90000"/>
+              </a:lnSpc>
+              <a:spcBef>
+                <a:spcPct val="0"/>
+              </a:spcBef>
+              <a:buNone/>
+              <a:defRPr sz="4400" kern="1200">
+                <a:solidFill>
+                  <a:schemeClr val="tx1"/>
+                </a:solidFill>
+                <a:latin typeface="+mj-lt"/>
+                <a:ea typeface="+mj-ea"/>
+                <a:cs typeface="+mj-cs"/>
+              </a:defRPr>
+            </a:lvl1pPr>
+          </a:lstStyle>
+          <a:p>
+            <a:r>
+              <a:rPr lang="en-US" sz="2800" b="1" dirty="0" smtClean="0"/>
+              <a:t>Timer</a:t>
+            </a:r>
+            <a:endParaRPr lang="en-US" sz="2800" dirty="0"/>
+          </a:p>
+        </p:txBody>
+      </p:sp>
+      <p:sp>
+        <p:nvSpPr>
+          <p:cNvPr id="6" name="Title 3"/>
+          <p:cNvSpPr txBox="1">
+            <a:spLocks/>
+          </p:cNvSpPr>
+          <p:nvPr/>
+        </p:nvSpPr>
+        <p:spPr>
+          <a:xfrm>
+            <a:off x="313379" y="4182515"/>
+            <a:ext cx="5831055" cy="1677340"/>
+          </a:xfrm>
+          <a:prstGeom prst="rect">
+            <a:avLst/>
+          </a:prstGeom>
+        </p:spPr>
+        <p:txBody>
+          <a:bodyPr/>
+          <a:lstStyle>
+            <a:lvl1pPr algn="l" defTabSz="914400" rtl="0" eaLnBrk="1" latinLnBrk="0" hangingPunct="1">
+              <a:lnSpc>
+                <a:spcPct val="90000"/>
+              </a:lnSpc>
+              <a:spcBef>
+                <a:spcPct val="0"/>
+              </a:spcBef>
+              <a:buNone/>
+              <a:defRPr sz="4400" kern="1200">
+                <a:solidFill>
+                  <a:schemeClr val="tx1"/>
+                </a:solidFill>
+                <a:latin typeface="+mj-lt"/>
+                <a:ea typeface="+mj-ea"/>
+                <a:cs typeface="+mj-cs"/>
+              </a:defRPr>
+            </a:lvl1pPr>
+          </a:lstStyle>
+          <a:p>
+            <a:pPr marL="457200" indent="-457200">
+              <a:buFont typeface="Wingdings" charset="2"/>
+              <a:buChar char="§"/>
+            </a:pPr>
+            <a:r>
+              <a:rPr lang="en-US" sz="2800" dirty="0" smtClean="0"/>
+              <a:t>Timer will begin once user reaches activity level 3 </a:t>
+            </a:r>
+            <a:endParaRPr lang="en-US" sz="2800" dirty="0"/>
+          </a:p>
+        </p:txBody>
+      </p:sp>
+    </p:spTree>
+    <p:extLst>
+      <p:ext uri="{BB962C8B-B14F-4D97-AF65-F5344CB8AC3E}">
+        <p14:creationId xmlns:p14="http://schemas.microsoft.com/office/powerpoint/2010/main" val="361227893"/>
+      </p:ext>
+    </p:extLst>
+  </p:cSld>
+  <p:clrMapOvr>
+    <a:masterClrMapping/>
+  </p:clrMapOvr>
+</p:sld>
+</file>
+
+<file path=ppt/slides/slide6.xml><?xml version="1.0" encoding="utf-8"?>
+<p:sld xmlns:a="http://schemas.openxmlformats.org/drawingml/2006/main" xmlns:r="http://schemas.openxmlformats.org/officeDocument/2006/relationships" xmlns:p="http://schemas.openxmlformats.org/presentationml/2006/main">
+  <p:cSld>
+    <p:spTree>
+      <p:nvGrpSpPr>
+        <p:cNvPr id="1" name=""/>
+        <p:cNvGrpSpPr/>
+        <p:nvPr/>
+      </p:nvGrpSpPr>
+      <p:grpSpPr>
+        <a:xfrm>
+          <a:off x="0" y="0"/>
+          <a:ext cx="0" cy="0"/>
+          <a:chOff x="0" y="0"/>
+          <a:chExt cx="0" cy="0"/>
+        </a:xfrm>
+      </p:grpSpPr>
+      <p:sp>
+        <p:nvSpPr>
+          <p:cNvPr id="2" name="Title 3"/>
+          <p:cNvSpPr txBox="1">
+            <a:spLocks/>
+          </p:cNvSpPr>
+          <p:nvPr/>
+        </p:nvSpPr>
+        <p:spPr>
+          <a:xfrm>
+            <a:off x="143094" y="1146678"/>
+            <a:ext cx="2504132" cy="655091"/>
+          </a:xfrm>
+          <a:prstGeom prst="rect">
+            <a:avLst/>
+          </a:prstGeom>
+        </p:spPr>
+        <p:txBody>
+          <a:bodyPr/>
+          <a:lstStyle>
+            <a:lvl1pPr algn="l" defTabSz="914400" rtl="0" eaLnBrk="1" latinLnBrk="0" hangingPunct="1">
+              <a:lnSpc>
+                <a:spcPct val="90000"/>
+              </a:lnSpc>
+              <a:spcBef>
+                <a:spcPct val="0"/>
+              </a:spcBef>
+              <a:buNone/>
+              <a:defRPr sz="4400" kern="1200">
+                <a:solidFill>
+                  <a:schemeClr val="tx1"/>
+                </a:solidFill>
+                <a:latin typeface="+mj-lt"/>
+                <a:ea typeface="+mj-ea"/>
+                <a:cs typeface="+mj-cs"/>
+              </a:defRPr>
+            </a:lvl1pPr>
+          </a:lstStyle>
+          <a:p>
+            <a:r>
+              <a:rPr lang="en-US" sz="2800" b="1" dirty="0" smtClean="0"/>
+              <a:t>Memory Saving</a:t>
+            </a:r>
+            <a:endParaRPr lang="en-US" sz="2800" b="1" dirty="0"/>
+          </a:p>
+        </p:txBody>
+      </p:sp>
+      <p:sp>
+        <p:nvSpPr>
+          <p:cNvPr id="3" name="Title 3"/>
+          <p:cNvSpPr txBox="1">
+            <a:spLocks/>
+          </p:cNvSpPr>
+          <p:nvPr/>
+        </p:nvSpPr>
+        <p:spPr>
+          <a:xfrm>
+            <a:off x="143094" y="0"/>
+            <a:ext cx="10515600" cy="1325563"/>
+          </a:xfrm>
+          <a:prstGeom prst="rect">
+            <a:avLst/>
+          </a:prstGeom>
+        </p:spPr>
+        <p:txBody>
+          <a:bodyPr/>
+          <a:lstStyle>
+            <a:lvl1pPr algn="l" defTabSz="914400" rtl="0" eaLnBrk="1" latinLnBrk="0" hangingPunct="1">
+              <a:lnSpc>
+                <a:spcPct val="90000"/>
+              </a:lnSpc>
+              <a:spcBef>
+                <a:spcPct val="0"/>
+              </a:spcBef>
+              <a:buNone/>
+              <a:defRPr sz="4400" kern="1200">
+                <a:solidFill>
+                  <a:schemeClr val="tx1"/>
+                </a:solidFill>
+                <a:latin typeface="+mj-lt"/>
+                <a:ea typeface="+mj-ea"/>
+                <a:cs typeface="+mj-cs"/>
+              </a:defRPr>
+            </a:lvl1pPr>
+          </a:lstStyle>
+          <a:p>
+            <a:r>
+              <a:rPr lang="en-US" dirty="0" smtClean="0"/>
+              <a:t>Special Features </a:t>
+            </a:r>
+            <a:endParaRPr lang="en-US" dirty="0"/>
+          </a:p>
+        </p:txBody>
+      </p:sp>
+      <p:sp>
+        <p:nvSpPr>
+          <p:cNvPr id="4" name="Title 3"/>
+          <p:cNvSpPr txBox="1">
+            <a:spLocks/>
+          </p:cNvSpPr>
+          <p:nvPr/>
+        </p:nvSpPr>
+        <p:spPr>
+          <a:xfrm>
+            <a:off x="160979" y="1633846"/>
+            <a:ext cx="6331881" cy="2158514"/>
+          </a:xfrm>
+          <a:prstGeom prst="rect">
+            <a:avLst/>
+          </a:prstGeom>
+        </p:spPr>
+        <p:txBody>
+          <a:bodyPr/>
+          <a:lstStyle>
+            <a:lvl1pPr algn="l" defTabSz="914400" rtl="0" eaLnBrk="1" latinLnBrk="0" hangingPunct="1">
+              <a:lnSpc>
+                <a:spcPct val="90000"/>
+              </a:lnSpc>
+              <a:spcBef>
+                <a:spcPct val="0"/>
+              </a:spcBef>
+              <a:buNone/>
+              <a:defRPr sz="4400" kern="1200">
+                <a:solidFill>
+                  <a:schemeClr val="tx1"/>
+                </a:solidFill>
+                <a:latin typeface="+mj-lt"/>
+                <a:ea typeface="+mj-ea"/>
+                <a:cs typeface="+mj-cs"/>
+              </a:defRPr>
+            </a:lvl1pPr>
+          </a:lstStyle>
+          <a:p>
+            <a:pPr marL="457200" indent="-457200">
+              <a:buFont typeface="Wingdings" charset="2"/>
+              <a:buChar char="§"/>
+            </a:pPr>
+            <a:r>
+              <a:rPr lang="en-US" sz="2800" dirty="0" smtClean="0"/>
+              <a:t>Stored most LCD prints to flash rather than RAM using Arduino F command</a:t>
+            </a:r>
+          </a:p>
+          <a:p>
+            <a:pPr marL="457200" indent="-457200">
+              <a:buFont typeface="Wingdings" charset="2"/>
+              <a:buChar char="§"/>
+            </a:pPr>
+            <a:r>
+              <a:rPr lang="en-US" sz="2800" dirty="0" smtClean="0"/>
+              <a:t>Saved all variables as unsigned integers</a:t>
+            </a:r>
+          </a:p>
+          <a:p>
+            <a:pPr marL="457200" indent="-457200">
+              <a:buFont typeface="Wingdings" charset="2"/>
+              <a:buChar char="§"/>
+            </a:pPr>
+            <a:r>
+              <a:rPr lang="en-US" sz="2800" dirty="0" smtClean="0"/>
+              <a:t>Only used 1 acceleration parameter for processing  </a:t>
+            </a:r>
+            <a:endParaRPr lang="en-US" sz="2800" dirty="0"/>
+          </a:p>
+        </p:txBody>
+      </p:sp>
+    </p:spTree>
+    <p:extLst>
+      <p:ext uri="{BB962C8B-B14F-4D97-AF65-F5344CB8AC3E}">
+        <p14:creationId xmlns:p14="http://schemas.microsoft.com/office/powerpoint/2010/main" val="3500086924"/>
+      </p:ext>
+    </p:extLst>
+  </p:cSld>
+  <p:clrMapOvr>
+    <a:masterClrMapping/>
+  </p:clrMapOvr>
 </p:sld>
 </file>
 
@@ -3243,7 +4392,7 @@
     </a:clrScheme>
     <a:fontScheme name="Office">
       <a:majorFont>
-        <a:latin typeface="Calibri Light" panose="020F0302020204030204"/>
+        <a:latin typeface="Calibri Light"/>
         <a:ea typeface=""/>
         <a:cs typeface=""/>
         <a:font script="Jpan" typeface="ＭＳ Ｐゴシック"/>
@@ -3278,7 +4427,7 @@
         <a:font script="Geor" typeface="Sylfaen"/>
       </a:majorFont>
       <a:minorFont>
-        <a:latin typeface="Calibri" panose="020F0502020204030204"/>
+        <a:latin typeface="Calibri"/>
         <a:ea typeface=""/>
         <a:cs typeface=""/>
         <a:font script="Jpan" typeface="ＭＳ Ｐゴシック"/>
@@ -3455,7 +4604,7 @@
   <a:extraClrSchemeLst/>
   <a:extLst>
     <a:ext uri="{05A4C25C-085E-4340-85A3-A5531E510DB2}">
-      <thm15:themeFamily xmlns:thm15="http://schemas.microsoft.com/office/thememl/2012/main" name="Office Theme" id="{62F939B6-93AF-4DB8-9C6B-D6C7DFDC589F}" vid="{4A3C46E8-61CC-4603-A589-7422A47A8E4A}"/>
+      <thm15:themeFamily xmlns:thm15="http://schemas.microsoft.com/office/thememl/2012/main" xmlns="" name="Office Theme" id="{62F939B6-93AF-4DB8-9C6B-D6C7DFDC589F}" vid="{4A3C46E8-61CC-4603-A589-7422A47A8E4A}"/>
     </a:ext>
   </a:extLst>
 </a:theme>

--- a/Presentation.pptx
+++ b/Presentation.pptx
@@ -7,10 +7,10 @@
   <p:sldIdLst>
     <p:sldId id="256" r:id="rId2"/>
     <p:sldId id="257" r:id="rId3"/>
-    <p:sldId id="258" r:id="rId4"/>
-    <p:sldId id="259" r:id="rId5"/>
-    <p:sldId id="260" r:id="rId6"/>
-    <p:sldId id="262" r:id="rId7"/>
+    <p:sldId id="262" r:id="rId4"/>
+    <p:sldId id="258" r:id="rId5"/>
+    <p:sldId id="259" r:id="rId6"/>
+    <p:sldId id="260" r:id="rId7"/>
   </p:sldIdLst>
   <p:sldSz cx="12192000" cy="6858000"/>
   <p:notesSz cx="6858000" cy="9144000"/>
@@ -109,6 +109,22 @@
       </a:defRPr>
     </a:lvl9pPr>
   </p:defaultTextStyle>
+  <p:extLst>
+    <p:ext uri="{EFAFB233-063F-42B5-8137-9DF3F51BA10A}">
+      <p15:sldGuideLst xmlns:p15="http://schemas.microsoft.com/office/powerpoint/2012/main">
+        <p15:guide id="1" orient="horz" pos="2160">
+          <p15:clr>
+            <a:srgbClr val="A4A3A4"/>
+          </p15:clr>
+        </p15:guide>
+        <p15:guide id="2" pos="3840">
+          <p15:clr>
+            <a:srgbClr val="A4A3A4"/>
+          </p15:clr>
+        </p15:guide>
+      </p15:sldGuideLst>
+    </p:ext>
+  </p:extLst>
 </p:presentation>
 </file>
 
@@ -3156,7 +3172,7 @@
   <p:timing>
     <p:tnLst>
       <p:par>
-        <p:cTn xmlns:p14="http://schemas.microsoft.com/office/powerpoint/2010/main" id="1" dur="indefinite" restart="never" nodeType="tmRoot"/>
+        <p:cTn id="1" dur="indefinite" restart="never" nodeType="tmRoot"/>
       </p:par>
     </p:tnLst>
   </p:timing>
@@ -3182,6 +3198,231 @@
       </p:grpSpPr>
       <p:sp>
         <p:nvSpPr>
+          <p:cNvPr id="2" name="Title 3"/>
+          <p:cNvSpPr txBox="1">
+            <a:spLocks/>
+          </p:cNvSpPr>
+          <p:nvPr/>
+        </p:nvSpPr>
+        <p:spPr>
+          <a:xfrm>
+            <a:off x="143094" y="1146678"/>
+            <a:ext cx="2504132" cy="655091"/>
+          </a:xfrm>
+          <a:prstGeom prst="rect">
+            <a:avLst/>
+          </a:prstGeom>
+        </p:spPr>
+        <p:txBody>
+          <a:bodyPr/>
+          <a:lstStyle>
+            <a:lvl1pPr algn="l" defTabSz="914400" rtl="0" eaLnBrk="1" latinLnBrk="0" hangingPunct="1">
+              <a:lnSpc>
+                <a:spcPct val="90000"/>
+              </a:lnSpc>
+              <a:spcBef>
+                <a:spcPct val="0"/>
+              </a:spcBef>
+              <a:buNone/>
+              <a:defRPr sz="4400" kern="1200">
+                <a:solidFill>
+                  <a:schemeClr val="tx1"/>
+                </a:solidFill>
+                <a:latin typeface="+mj-lt"/>
+                <a:ea typeface="+mj-ea"/>
+                <a:cs typeface="+mj-cs"/>
+              </a:defRPr>
+            </a:lvl1pPr>
+          </a:lstStyle>
+          <a:p>
+            <a:r>
+              <a:rPr lang="en-US" sz="2800" b="1" dirty="0" smtClean="0"/>
+              <a:t>Memory Saving</a:t>
+            </a:r>
+            <a:endParaRPr lang="en-US" sz="2800" b="1" dirty="0"/>
+          </a:p>
+        </p:txBody>
+      </p:sp>
+      <p:sp>
+        <p:nvSpPr>
+          <p:cNvPr id="3" name="Title 3"/>
+          <p:cNvSpPr txBox="1">
+            <a:spLocks/>
+          </p:cNvSpPr>
+          <p:nvPr/>
+        </p:nvSpPr>
+        <p:spPr>
+          <a:xfrm>
+            <a:off x="143094" y="0"/>
+            <a:ext cx="10515600" cy="1325563"/>
+          </a:xfrm>
+          <a:prstGeom prst="rect">
+            <a:avLst/>
+          </a:prstGeom>
+        </p:spPr>
+        <p:txBody>
+          <a:bodyPr/>
+          <a:lstStyle>
+            <a:lvl1pPr algn="l" defTabSz="914400" rtl="0" eaLnBrk="1" latinLnBrk="0" hangingPunct="1">
+              <a:lnSpc>
+                <a:spcPct val="90000"/>
+              </a:lnSpc>
+              <a:spcBef>
+                <a:spcPct val="0"/>
+              </a:spcBef>
+              <a:buNone/>
+              <a:defRPr sz="4400" kern="1200">
+                <a:solidFill>
+                  <a:schemeClr val="tx1"/>
+                </a:solidFill>
+                <a:latin typeface="+mj-lt"/>
+                <a:ea typeface="+mj-ea"/>
+                <a:cs typeface="+mj-cs"/>
+              </a:defRPr>
+            </a:lvl1pPr>
+          </a:lstStyle>
+          <a:p>
+            <a:r>
+              <a:rPr lang="en-US" dirty="0" smtClean="0"/>
+              <a:t>Special Features </a:t>
+            </a:r>
+            <a:endParaRPr lang="en-US" dirty="0"/>
+          </a:p>
+        </p:txBody>
+      </p:sp>
+      <p:sp>
+        <p:nvSpPr>
+          <p:cNvPr id="4" name="Title 3"/>
+          <p:cNvSpPr txBox="1">
+            <a:spLocks/>
+          </p:cNvSpPr>
+          <p:nvPr/>
+        </p:nvSpPr>
+        <p:spPr>
+          <a:xfrm>
+            <a:off x="160979" y="1633846"/>
+            <a:ext cx="6331881" cy="2158514"/>
+          </a:xfrm>
+          <a:prstGeom prst="rect">
+            <a:avLst/>
+          </a:prstGeom>
+        </p:spPr>
+        <p:txBody>
+          <a:bodyPr/>
+          <a:lstStyle>
+            <a:lvl1pPr algn="l" defTabSz="914400" rtl="0" eaLnBrk="1" latinLnBrk="0" hangingPunct="1">
+              <a:lnSpc>
+                <a:spcPct val="90000"/>
+              </a:lnSpc>
+              <a:spcBef>
+                <a:spcPct val="0"/>
+              </a:spcBef>
+              <a:buNone/>
+              <a:defRPr sz="4400" kern="1200">
+                <a:solidFill>
+                  <a:schemeClr val="tx1"/>
+                </a:solidFill>
+                <a:latin typeface="+mj-lt"/>
+                <a:ea typeface="+mj-ea"/>
+                <a:cs typeface="+mj-cs"/>
+              </a:defRPr>
+            </a:lvl1pPr>
+          </a:lstStyle>
+          <a:p>
+            <a:pPr marL="457200" indent="-457200">
+              <a:buFont typeface="Wingdings" charset="2"/>
+              <a:buChar char="§"/>
+            </a:pPr>
+            <a:r>
+              <a:rPr lang="en-US" sz="2800" dirty="0" smtClean="0"/>
+              <a:t>Stored most LCD prints to flash rather than RAM using Arduino F command</a:t>
+            </a:r>
+          </a:p>
+          <a:p>
+            <a:pPr marL="457200" indent="-457200">
+              <a:buFont typeface="Wingdings" charset="2"/>
+              <a:buChar char="§"/>
+            </a:pPr>
+            <a:r>
+              <a:rPr lang="en-US" sz="2800" dirty="0" smtClean="0"/>
+              <a:t>Saved all variables as unsigned integers</a:t>
+            </a:r>
+          </a:p>
+          <a:p>
+            <a:pPr marL="457200" indent="-457200">
+              <a:buFont typeface="Wingdings" charset="2"/>
+              <a:buChar char="§"/>
+            </a:pPr>
+            <a:r>
+              <a:rPr lang="en-US" sz="2800" dirty="0" smtClean="0"/>
+              <a:t>Only used 1 acceleration parameter for processing  </a:t>
+            </a:r>
+            <a:endParaRPr lang="en-US" sz="2800" dirty="0"/>
+          </a:p>
+        </p:txBody>
+      </p:sp>
+      <p:pic>
+        <p:nvPicPr>
+          <p:cNvPr id="5" name="Picture 4"/>
+          <p:cNvPicPr>
+            <a:picLocks noChangeAspect="1"/>
+          </p:cNvPicPr>
+          <p:nvPr/>
+        </p:nvPicPr>
+        <p:blipFill>
+          <a:blip r:embed="rId2">
+            <a:extLst>
+              <a:ext uri="{28A0092B-C50C-407E-A947-70E740481C1C}">
+                <a14:useLocalDpi xmlns:a14="http://schemas.microsoft.com/office/drawing/2010/main" val="0"/>
+              </a:ext>
+            </a:extLst>
+          </a:blip>
+          <a:stretch>
+            <a:fillRect/>
+          </a:stretch>
+        </p:blipFill>
+        <p:spPr>
+          <a:xfrm>
+            <a:off x="8384909" y="48424"/>
+            <a:ext cx="2460891" cy="6662843"/>
+          </a:xfrm>
+          <a:prstGeom prst="rect">
+            <a:avLst/>
+          </a:prstGeom>
+        </p:spPr>
+      </p:pic>
+    </p:spTree>
+    <p:extLst>
+      <p:ext uri="{BB962C8B-B14F-4D97-AF65-F5344CB8AC3E}">
+        <p14:creationId xmlns:p14="http://schemas.microsoft.com/office/powerpoint/2010/main" val="3500086924"/>
+      </p:ext>
+    </p:extLst>
+  </p:cSld>
+  <p:clrMapOvr>
+    <a:masterClrMapping/>
+  </p:clrMapOvr>
+</p:sld>
+</file>
+
+<file path=ppt/slides/slide4.xml><?xml version="1.0" encoding="utf-8"?>
+<p:sld xmlns:a="http://schemas.openxmlformats.org/drawingml/2006/main" xmlns:r="http://schemas.openxmlformats.org/officeDocument/2006/relationships" xmlns:p="http://schemas.openxmlformats.org/presentationml/2006/main">
+  <p:cSld>
+    <p:spTree>
+      <p:nvGrpSpPr>
+        <p:cNvPr id="1" name=""/>
+        <p:cNvGrpSpPr/>
+        <p:nvPr/>
+      </p:nvGrpSpPr>
+      <p:grpSpPr>
+        <a:xfrm>
+          <a:off x="0" y="0"/>
+          <a:ext cx="0" cy="0"/>
+          <a:chOff x="0" y="0"/>
+          <a:chExt cx="0" cy="0"/>
+        </a:xfrm>
+      </p:grpSpPr>
+      <p:sp>
+        <p:nvSpPr>
           <p:cNvPr id="3" name="Title 3"/>
           <p:cNvSpPr txBox="1">
             <a:spLocks/>
@@ -3416,9 +3657,42 @@
               <a:buChar char="§"/>
             </a:pPr>
             <a:r>
+              <a:rPr lang="en-US" sz="2800" dirty="0"/>
+              <a:t>6</a:t>
+            </a:r>
+            <a:r>
               <a:rPr lang="en-US" sz="2800" dirty="0" smtClean="0"/>
-              <a:t>4 Step Count Minimum</a:t>
-            </a:r>
+              <a:t> </a:t>
+            </a:r>
+            <a:r>
+              <a:rPr lang="en-US" sz="2800" dirty="0" smtClean="0"/>
+              <a:t>Step Count </a:t>
+            </a:r>
+            <a:r>
+              <a:rPr lang="en-US" sz="2800" dirty="0" smtClean="0"/>
+              <a:t>Minimum</a:t>
+            </a:r>
+          </a:p>
+          <a:p>
+            <a:pPr marL="457200" indent="-457200">
+              <a:buFont typeface="Wingdings" charset="2"/>
+              <a:buChar char="§"/>
+            </a:pPr>
+            <a:r>
+              <a:rPr lang="en-US" sz="2800" dirty="0" smtClean="0"/>
+              <a:t>Invalid Step Resetting</a:t>
+            </a:r>
+          </a:p>
+          <a:p>
+            <a:pPr marL="457200" indent="-457200">
+              <a:buFont typeface="Wingdings" charset="2"/>
+              <a:buChar char="§"/>
+            </a:pPr>
+            <a:r>
+              <a:rPr lang="en-US" sz="2800" dirty="0" smtClean="0"/>
+              <a:t>1g Normalizing</a:t>
+            </a:r>
+            <a:endParaRPr lang="en-US" sz="2800" dirty="0" smtClean="0"/>
           </a:p>
           <a:p>
             <a:pPr marL="457200" indent="-457200">
@@ -3450,424 +3724,10 @@
   <p:timing>
     <p:tnLst>
       <p:par>
-        <p:cTn xmlns:p14="http://schemas.microsoft.com/office/powerpoint/2010/main" id="1" dur="indefinite" restart="never" nodeType="tmRoot"/>
+        <p:cTn id="1" dur="indefinite" restart="never" nodeType="tmRoot"/>
       </p:par>
     </p:tnLst>
   </p:timing>
-</p:sld>
-</file>
-
-<file path=ppt/slides/slide4.xml><?xml version="1.0" encoding="utf-8"?>
-<p:sld xmlns:a="http://schemas.openxmlformats.org/drawingml/2006/main" xmlns:r="http://schemas.openxmlformats.org/officeDocument/2006/relationships" xmlns:p="http://schemas.openxmlformats.org/presentationml/2006/main">
-  <p:cSld>
-    <p:spTree>
-      <p:nvGrpSpPr>
-        <p:cNvPr id="1" name=""/>
-        <p:cNvGrpSpPr/>
-        <p:nvPr/>
-      </p:nvGrpSpPr>
-      <p:grpSpPr>
-        <a:xfrm>
-          <a:off x="0" y="0"/>
-          <a:ext cx="0" cy="0"/>
-          <a:chOff x="0" y="0"/>
-          <a:chExt cx="0" cy="0"/>
-        </a:xfrm>
-      </p:grpSpPr>
-      <p:sp>
-        <p:nvSpPr>
-          <p:cNvPr id="2" name="Title 3"/>
-          <p:cNvSpPr txBox="1">
-            <a:spLocks/>
-          </p:cNvSpPr>
-          <p:nvPr/>
-        </p:nvSpPr>
-        <p:spPr>
-          <a:xfrm>
-            <a:off x="143094" y="0"/>
-            <a:ext cx="10515600" cy="1325563"/>
-          </a:xfrm>
-          <a:prstGeom prst="rect">
-            <a:avLst/>
-          </a:prstGeom>
-        </p:spPr>
-        <p:txBody>
-          <a:bodyPr/>
-          <a:lstStyle>
-            <a:lvl1pPr algn="l" defTabSz="914400" rtl="0" eaLnBrk="1" latinLnBrk="0" hangingPunct="1">
-              <a:lnSpc>
-                <a:spcPct val="90000"/>
-              </a:lnSpc>
-              <a:spcBef>
-                <a:spcPct val="0"/>
-              </a:spcBef>
-              <a:buNone/>
-              <a:defRPr sz="4400" kern="1200">
-                <a:solidFill>
-                  <a:schemeClr val="tx1"/>
-                </a:solidFill>
-                <a:latin typeface="+mj-lt"/>
-                <a:ea typeface="+mj-ea"/>
-                <a:cs typeface="+mj-cs"/>
-              </a:defRPr>
-            </a:lvl1pPr>
-          </a:lstStyle>
-          <a:p>
-            <a:r>
-              <a:rPr lang="en-US" dirty="0" smtClean="0"/>
-              <a:t>Special Features </a:t>
-            </a:r>
-            <a:endParaRPr lang="en-US" dirty="0"/>
-          </a:p>
-        </p:txBody>
-      </p:sp>
-      <p:sp>
-        <p:nvSpPr>
-          <p:cNvPr id="4" name="Title 3"/>
-          <p:cNvSpPr txBox="1">
-            <a:spLocks/>
-          </p:cNvSpPr>
-          <p:nvPr/>
-        </p:nvSpPr>
-        <p:spPr>
-          <a:xfrm>
-            <a:off x="143094" y="1071733"/>
-            <a:ext cx="1010233" cy="507659"/>
-          </a:xfrm>
-          <a:prstGeom prst="rect">
-            <a:avLst/>
-          </a:prstGeom>
-        </p:spPr>
-        <p:txBody>
-          <a:bodyPr/>
-          <a:lstStyle>
-            <a:lvl1pPr algn="l" defTabSz="914400" rtl="0" eaLnBrk="1" latinLnBrk="0" hangingPunct="1">
-              <a:lnSpc>
-                <a:spcPct val="90000"/>
-              </a:lnSpc>
-              <a:spcBef>
-                <a:spcPct val="0"/>
-              </a:spcBef>
-              <a:buNone/>
-              <a:defRPr sz="4400" kern="1200">
-                <a:solidFill>
-                  <a:schemeClr val="tx1"/>
-                </a:solidFill>
-                <a:latin typeface="+mj-lt"/>
-                <a:ea typeface="+mj-ea"/>
-                <a:cs typeface="+mj-cs"/>
-              </a:defRPr>
-            </a:lvl1pPr>
-          </a:lstStyle>
-          <a:p>
-            <a:r>
-              <a:rPr lang="en-US" sz="2800" b="1" dirty="0" smtClean="0"/>
-              <a:t>Sleep</a:t>
-            </a:r>
-            <a:r>
-              <a:rPr lang="en-US" sz="2800" dirty="0" smtClean="0"/>
-              <a:t> </a:t>
-            </a:r>
-            <a:endParaRPr lang="en-US" sz="2800" dirty="0"/>
-          </a:p>
-        </p:txBody>
-      </p:sp>
-      <p:sp>
-        <p:nvSpPr>
-          <p:cNvPr id="6" name="Title 3"/>
-          <p:cNvSpPr txBox="1">
-            <a:spLocks/>
-          </p:cNvSpPr>
-          <p:nvPr/>
-        </p:nvSpPr>
-        <p:spPr>
-          <a:xfrm>
-            <a:off x="160979" y="1633846"/>
-            <a:ext cx="5831055" cy="1677340"/>
-          </a:xfrm>
-          <a:prstGeom prst="rect">
-            <a:avLst/>
-          </a:prstGeom>
-        </p:spPr>
-        <p:txBody>
-          <a:bodyPr/>
-          <a:lstStyle>
-            <a:lvl1pPr algn="l" defTabSz="914400" rtl="0" eaLnBrk="1" latinLnBrk="0" hangingPunct="1">
-              <a:lnSpc>
-                <a:spcPct val="90000"/>
-              </a:lnSpc>
-              <a:spcBef>
-                <a:spcPct val="0"/>
-              </a:spcBef>
-              <a:buNone/>
-              <a:defRPr sz="4400" kern="1200">
-                <a:solidFill>
-                  <a:schemeClr val="tx1"/>
-                </a:solidFill>
-                <a:latin typeface="+mj-lt"/>
-                <a:ea typeface="+mj-ea"/>
-                <a:cs typeface="+mj-cs"/>
-              </a:defRPr>
-            </a:lvl1pPr>
-          </a:lstStyle>
-          <a:p>
-            <a:pPr marL="457200" indent="-457200">
-              <a:buFont typeface="Wingdings" charset="2"/>
-              <a:buChar char="§"/>
-            </a:pPr>
-            <a:r>
-              <a:rPr lang="en-US" sz="2800" dirty="0" smtClean="0"/>
-              <a:t>LCD Screen sleeps after 10 seconds to save battery  </a:t>
-            </a:r>
-          </a:p>
-          <a:p>
-            <a:pPr marL="457200" indent="-457200">
-              <a:buFont typeface="Wingdings" charset="2"/>
-              <a:buChar char="§"/>
-            </a:pPr>
-            <a:r>
-              <a:rPr lang="en-US" sz="2800" dirty="0" smtClean="0"/>
-              <a:t>Step counting continues</a:t>
-            </a:r>
-            <a:endParaRPr lang="en-US" sz="2800" dirty="0"/>
-          </a:p>
-        </p:txBody>
-      </p:sp>
-      <p:sp>
-        <p:nvSpPr>
-          <p:cNvPr id="7" name="Title 3"/>
-          <p:cNvSpPr txBox="1">
-            <a:spLocks/>
-          </p:cNvSpPr>
-          <p:nvPr/>
-        </p:nvSpPr>
-        <p:spPr>
-          <a:xfrm>
-            <a:off x="160979" y="3674856"/>
-            <a:ext cx="3424933" cy="507659"/>
-          </a:xfrm>
-          <a:prstGeom prst="rect">
-            <a:avLst/>
-          </a:prstGeom>
-        </p:spPr>
-        <p:txBody>
-          <a:bodyPr/>
-          <a:lstStyle>
-            <a:lvl1pPr algn="l" defTabSz="914400" rtl="0" eaLnBrk="1" latinLnBrk="0" hangingPunct="1">
-              <a:lnSpc>
-                <a:spcPct val="90000"/>
-              </a:lnSpc>
-              <a:spcBef>
-                <a:spcPct val="0"/>
-              </a:spcBef>
-              <a:buNone/>
-              <a:defRPr sz="4400" kern="1200">
-                <a:solidFill>
-                  <a:schemeClr val="tx1"/>
-                </a:solidFill>
-                <a:latin typeface="+mj-lt"/>
-                <a:ea typeface="+mj-ea"/>
-                <a:cs typeface="+mj-cs"/>
-              </a:defRPr>
-            </a:lvl1pPr>
-          </a:lstStyle>
-          <a:p>
-            <a:r>
-              <a:rPr lang="en-US" sz="2800" b="1" dirty="0" smtClean="0"/>
-              <a:t>Activity Level</a:t>
-            </a:r>
-            <a:r>
-              <a:rPr lang="en-US" sz="2800" b="1" baseline="30000" dirty="0" smtClean="0"/>
-              <a:t>1</a:t>
-            </a:r>
-            <a:r>
-              <a:rPr lang="en-US" sz="2800" b="1" dirty="0" smtClean="0"/>
-              <a:t> </a:t>
-            </a:r>
-            <a:endParaRPr lang="en-US" sz="2800" dirty="0"/>
-          </a:p>
-        </p:txBody>
-      </p:sp>
-      <p:sp>
-        <p:nvSpPr>
-          <p:cNvPr id="8" name="Title 3"/>
-          <p:cNvSpPr txBox="1">
-            <a:spLocks/>
-          </p:cNvSpPr>
-          <p:nvPr/>
-        </p:nvSpPr>
-        <p:spPr>
-          <a:xfrm>
-            <a:off x="313379" y="4182515"/>
-            <a:ext cx="5831055" cy="1677340"/>
-          </a:xfrm>
-          <a:prstGeom prst="rect">
-            <a:avLst/>
-          </a:prstGeom>
-        </p:spPr>
-        <p:txBody>
-          <a:bodyPr/>
-          <a:lstStyle>
-            <a:lvl1pPr algn="l" defTabSz="914400" rtl="0" eaLnBrk="1" latinLnBrk="0" hangingPunct="1">
-              <a:lnSpc>
-                <a:spcPct val="90000"/>
-              </a:lnSpc>
-              <a:spcBef>
-                <a:spcPct val="0"/>
-              </a:spcBef>
-              <a:buNone/>
-              <a:defRPr sz="4400" kern="1200">
-                <a:solidFill>
-                  <a:schemeClr val="tx1"/>
-                </a:solidFill>
-                <a:latin typeface="+mj-lt"/>
-                <a:ea typeface="+mj-ea"/>
-                <a:cs typeface="+mj-cs"/>
-              </a:defRPr>
-            </a:lvl1pPr>
-          </a:lstStyle>
-          <a:p>
-            <a:pPr marL="457200" indent="-457200">
-              <a:buFont typeface="Wingdings" charset="2"/>
-              <a:buChar char="§"/>
-            </a:pPr>
-            <a:r>
-              <a:rPr lang="en-US" sz="2800" dirty="0" smtClean="0"/>
-              <a:t>Level 1: &lt;120 steps per minute</a:t>
-            </a:r>
-          </a:p>
-          <a:p>
-            <a:pPr marL="457200" indent="-457200">
-              <a:buFont typeface="Wingdings" charset="2"/>
-              <a:buChar char="§"/>
-            </a:pPr>
-            <a:r>
-              <a:rPr lang="en-US" sz="2800" dirty="0" smtClean="0"/>
-              <a:t>Level 2: &lt;160 steps per minute</a:t>
-            </a:r>
-          </a:p>
-          <a:p>
-            <a:pPr marL="457200" indent="-457200">
-              <a:buFont typeface="Wingdings" charset="2"/>
-              <a:buChar char="§"/>
-            </a:pPr>
-            <a:r>
-              <a:rPr lang="en-US" sz="2800" dirty="0" smtClean="0"/>
-              <a:t>Level 3: &gt;160 steps per minute </a:t>
-            </a:r>
-            <a:endParaRPr lang="en-US" sz="2800" dirty="0"/>
-          </a:p>
-        </p:txBody>
-      </p:sp>
-      <p:sp>
-        <p:nvSpPr>
-          <p:cNvPr id="9" name="Title 3"/>
-          <p:cNvSpPr txBox="1">
-            <a:spLocks/>
-          </p:cNvSpPr>
-          <p:nvPr/>
-        </p:nvSpPr>
-        <p:spPr>
-          <a:xfrm>
-            <a:off x="143094" y="6350413"/>
-            <a:ext cx="12048906" cy="507587"/>
-          </a:xfrm>
-          <a:prstGeom prst="rect">
-            <a:avLst/>
-          </a:prstGeom>
-        </p:spPr>
-        <p:txBody>
-          <a:bodyPr/>
-          <a:lstStyle>
-            <a:lvl1pPr algn="l" defTabSz="914400" rtl="0" eaLnBrk="1" latinLnBrk="0" hangingPunct="1">
-              <a:lnSpc>
-                <a:spcPct val="90000"/>
-              </a:lnSpc>
-              <a:spcBef>
-                <a:spcPct val="0"/>
-              </a:spcBef>
-              <a:buNone/>
-              <a:defRPr sz="4400" kern="1200">
-                <a:solidFill>
-                  <a:schemeClr val="tx1"/>
-                </a:solidFill>
-                <a:latin typeface="+mj-lt"/>
-                <a:ea typeface="+mj-ea"/>
-                <a:cs typeface="+mj-cs"/>
-              </a:defRPr>
-            </a:lvl1pPr>
-          </a:lstStyle>
-          <a:p>
-            <a:r>
-              <a:rPr lang="en-US" sz="1800" b="1" baseline="30000" dirty="0" smtClean="0"/>
-              <a:t>1</a:t>
-            </a:r>
-            <a:r>
-              <a:rPr lang="en-US" sz="1600" b="1" dirty="0" smtClean="0"/>
-              <a:t>United States Army, Fort </a:t>
-            </a:r>
-            <a:r>
-              <a:rPr lang="en-US" sz="1600" b="1" dirty="0" err="1" smtClean="0"/>
-              <a:t>Benning</a:t>
-            </a:r>
-            <a:r>
-              <a:rPr lang="en-US" sz="1600" b="1" dirty="0"/>
-              <a:t>. &lt;http://</a:t>
-            </a:r>
-            <a:r>
-              <a:rPr lang="en-US" sz="1600" b="1" dirty="0" err="1"/>
-              <a:t>www.benning.army.mil</a:t>
-            </a:r>
-            <a:r>
-              <a:rPr lang="en-US" sz="1600" b="1" dirty="0"/>
-              <a:t>/</a:t>
-            </a:r>
-            <a:r>
-              <a:rPr lang="en-US" sz="1600" b="1" dirty="0" err="1"/>
-              <a:t>mcoe</a:t>
-            </a:r>
-            <a:r>
-              <a:rPr lang="en-US" sz="1600" b="1" dirty="0"/>
-              <a:t>/</a:t>
-            </a:r>
-            <a:r>
-              <a:rPr lang="en-US" sz="1600" b="1" dirty="0" err="1"/>
-              <a:t>CommunityHealth</a:t>
-            </a:r>
-            <a:r>
-              <a:rPr lang="en-US" sz="1600" b="1" dirty="0"/>
-              <a:t>/content/</a:t>
-            </a:r>
-            <a:r>
-              <a:rPr lang="en-US" sz="1600" b="1" dirty="0" err="1"/>
-              <a:t>pdf</a:t>
-            </a:r>
-            <a:r>
-              <a:rPr lang="en-US" sz="1600" b="1" dirty="0"/>
-              <a:t>/Step%20Conversion%</a:t>
-            </a:r>
-            <a:r>
-              <a:rPr lang="en-US" sz="1600" b="1" dirty="0" smtClean="0"/>
-              <a:t>20Chart.pdf&gt;</a:t>
-            </a:r>
-            <a:r>
-              <a:rPr lang="en-US" sz="2800" b="1" dirty="0" smtClean="0"/>
-              <a:t> </a:t>
-            </a:r>
-            <a:endParaRPr lang="en-US" sz="2800" dirty="0"/>
-          </a:p>
-        </p:txBody>
-      </p:sp>
-    </p:spTree>
-    <p:extLst>
-      <p:ext uri="{BB962C8B-B14F-4D97-AF65-F5344CB8AC3E}">
-        <p14:creationId xmlns:p14="http://schemas.microsoft.com/office/powerpoint/2010/main" val="3457511621"/>
-      </p:ext>
-    </p:extLst>
-  </p:cSld>
-  <p:clrMapOvr>
-    <a:masterClrMapping/>
-  </p:clrMapOvr>
 </p:sld>
 </file>
 
@@ -3898,8 +3758,8 @@
         </p:nvSpPr>
         <p:spPr>
           <a:xfrm>
-            <a:off x="143094" y="1146678"/>
-            <a:ext cx="2504132" cy="655091"/>
+            <a:off x="143094" y="0"/>
+            <a:ext cx="10515600" cy="1325563"/>
           </a:xfrm>
           <a:prstGeom prst="rect">
             <a:avLst/>
@@ -3928,16 +3788,16 @@
           </a:lstStyle>
           <a:p>
             <a:r>
-              <a:rPr lang="en-US" sz="2800" b="1" dirty="0" smtClean="0"/>
-              <a:t>Trainer Mode</a:t>
-            </a:r>
-            <a:endParaRPr lang="en-US" sz="2800" b="1" dirty="0"/>
-          </a:p>
-        </p:txBody>
-      </p:sp>
-      <p:sp>
-        <p:nvSpPr>
-          <p:cNvPr id="3" name="Title 3"/>
+              <a:rPr lang="en-US" dirty="0" smtClean="0"/>
+              <a:t>Special Features </a:t>
+            </a:r>
+            <a:endParaRPr lang="en-US" dirty="0"/>
+          </a:p>
+        </p:txBody>
+      </p:sp>
+      <p:sp>
+        <p:nvSpPr>
+          <p:cNvPr id="4" name="Title 3"/>
           <p:cNvSpPr txBox="1">
             <a:spLocks/>
           </p:cNvSpPr>
@@ -3945,8 +3805,8 @@
         </p:nvSpPr>
         <p:spPr>
           <a:xfrm>
-            <a:off x="143094" y="0"/>
-            <a:ext cx="10515600" cy="1325563"/>
+            <a:off x="143094" y="1071733"/>
+            <a:ext cx="1010233" cy="507659"/>
           </a:xfrm>
           <a:prstGeom prst="rect">
             <a:avLst/>
@@ -3975,16 +3835,20 @@
           </a:lstStyle>
           <a:p>
             <a:r>
-              <a:rPr lang="en-US" dirty="0" smtClean="0"/>
-              <a:t>Special Features </a:t>
-            </a:r>
-            <a:endParaRPr lang="en-US" dirty="0"/>
-          </a:p>
-        </p:txBody>
-      </p:sp>
-      <p:sp>
-        <p:nvSpPr>
-          <p:cNvPr id="4" name="Title 3"/>
+              <a:rPr lang="en-US" sz="2800" b="1" dirty="0" smtClean="0"/>
+              <a:t>Sleep</a:t>
+            </a:r>
+            <a:r>
+              <a:rPr lang="en-US" sz="2800" dirty="0" smtClean="0"/>
+              <a:t> </a:t>
+            </a:r>
+            <a:endParaRPr lang="en-US" sz="2800" dirty="0"/>
+          </a:p>
+        </p:txBody>
+      </p:sp>
+      <p:sp>
+        <p:nvSpPr>
+          <p:cNvPr id="6" name="Title 3"/>
           <p:cNvSpPr txBox="1">
             <a:spLocks/>
           </p:cNvSpPr>
@@ -3993,7 +3857,7 @@
         <p:spPr>
           <a:xfrm>
             <a:off x="160979" y="1633846"/>
-            <a:ext cx="6331881" cy="1677340"/>
+            <a:ext cx="5831055" cy="1677340"/>
           </a:xfrm>
           <a:prstGeom prst="rect">
             <a:avLst/>
@@ -4027,7 +3891,7 @@
             </a:pPr>
             <a:r>
               <a:rPr lang="en-US" sz="2800" dirty="0" smtClean="0"/>
-              <a:t>User-sets desired activity level</a:t>
+              <a:t>LCD Screen sleeps after 10 seconds to save battery  </a:t>
             </a:r>
           </a:p>
           <a:p>
@@ -4037,7 +3901,7 @@
             </a:pPr>
             <a:r>
               <a:rPr lang="en-US" sz="2800" dirty="0" smtClean="0"/>
-              <a:t>Pedometer will beep if the user falls below this activity level</a:t>
+              <a:t>Step counting continues</a:t>
             </a:r>
             <a:endParaRPr lang="en-US" sz="2800" dirty="0"/>
           </a:p>
@@ -4045,7 +3909,7 @@
       </p:sp>
       <p:sp>
         <p:nvSpPr>
-          <p:cNvPr id="5" name="Title 3"/>
+          <p:cNvPr id="7" name="Title 3"/>
           <p:cNvSpPr txBox="1">
             <a:spLocks/>
           </p:cNvSpPr>
@@ -4084,7 +3948,15 @@
           <a:p>
             <a:r>
               <a:rPr lang="en-US" sz="2800" b="1" dirty="0" smtClean="0"/>
-              <a:t>Timer</a:t>
+              <a:t>Activity Level</a:t>
+            </a:r>
+            <a:r>
+              <a:rPr lang="en-US" sz="2800" b="1" baseline="30000" dirty="0" smtClean="0"/>
+              <a:t>1</a:t>
+            </a:r>
+            <a:r>
+              <a:rPr lang="en-US" sz="2800" b="1" dirty="0" smtClean="0"/>
+              <a:t> </a:t>
             </a:r>
             <a:endParaRPr lang="en-US" sz="2800" dirty="0"/>
           </a:p>
@@ -4092,7 +3964,7 @@
       </p:sp>
       <p:sp>
         <p:nvSpPr>
-          <p:cNvPr id="6" name="Title 3"/>
+          <p:cNvPr id="8" name="Title 3"/>
           <p:cNvSpPr txBox="1">
             <a:spLocks/>
           </p:cNvSpPr>
@@ -4135,16 +4007,165 @@
             </a:pPr>
             <a:r>
               <a:rPr lang="en-US" sz="2800" dirty="0" smtClean="0"/>
-              <a:t>Timer will begin once user reaches activity level 3 </a:t>
+              <a:t>Level 1: &lt;120 steps per minute</a:t>
+            </a:r>
+          </a:p>
+          <a:p>
+            <a:pPr marL="457200" indent="-457200">
+              <a:buFont typeface="Wingdings" charset="2"/>
+              <a:buChar char="§"/>
+            </a:pPr>
+            <a:r>
+              <a:rPr lang="en-US" sz="2800" dirty="0" smtClean="0"/>
+              <a:t>Level 2: &lt;160 steps per minute</a:t>
+            </a:r>
+          </a:p>
+          <a:p>
+            <a:pPr marL="457200" indent="-457200">
+              <a:buFont typeface="Wingdings" charset="2"/>
+              <a:buChar char="§"/>
+            </a:pPr>
+            <a:r>
+              <a:rPr lang="en-US" sz="2800" dirty="0" smtClean="0"/>
+              <a:t>Level 3: &gt;160 steps per minute </a:t>
             </a:r>
             <a:endParaRPr lang="en-US" sz="2800" dirty="0"/>
           </a:p>
         </p:txBody>
       </p:sp>
+      <p:sp>
+        <p:nvSpPr>
+          <p:cNvPr id="9" name="Title 3"/>
+          <p:cNvSpPr txBox="1">
+            <a:spLocks/>
+          </p:cNvSpPr>
+          <p:nvPr/>
+        </p:nvSpPr>
+        <p:spPr>
+          <a:xfrm>
+            <a:off x="143094" y="6350413"/>
+            <a:ext cx="12048906" cy="507587"/>
+          </a:xfrm>
+          <a:prstGeom prst="rect">
+            <a:avLst/>
+          </a:prstGeom>
+        </p:spPr>
+        <p:txBody>
+          <a:bodyPr/>
+          <a:lstStyle>
+            <a:lvl1pPr algn="l" defTabSz="914400" rtl="0" eaLnBrk="1" latinLnBrk="0" hangingPunct="1">
+              <a:lnSpc>
+                <a:spcPct val="90000"/>
+              </a:lnSpc>
+              <a:spcBef>
+                <a:spcPct val="0"/>
+              </a:spcBef>
+              <a:buNone/>
+              <a:defRPr sz="4400" kern="1200">
+                <a:solidFill>
+                  <a:schemeClr val="tx1"/>
+                </a:solidFill>
+                <a:latin typeface="+mj-lt"/>
+                <a:ea typeface="+mj-ea"/>
+                <a:cs typeface="+mj-cs"/>
+              </a:defRPr>
+            </a:lvl1pPr>
+          </a:lstStyle>
+          <a:p>
+            <a:r>
+              <a:rPr lang="en-US" sz="1800" b="1" baseline="30000" dirty="0" smtClean="0"/>
+              <a:t>1</a:t>
+            </a:r>
+            <a:r>
+              <a:rPr lang="en-US" sz="1600" b="1" dirty="0" smtClean="0"/>
+              <a:t>United States Army, Fort </a:t>
+            </a:r>
+            <a:r>
+              <a:rPr lang="en-US" sz="1600" b="1" dirty="0" err="1" smtClean="0"/>
+              <a:t>Benning</a:t>
+            </a:r>
+            <a:r>
+              <a:rPr lang="en-US" sz="1600" b="1" dirty="0"/>
+              <a:t>. &lt;http://</a:t>
+            </a:r>
+            <a:r>
+              <a:rPr lang="en-US" sz="1600" b="1" dirty="0" err="1"/>
+              <a:t>www.benning.army.mil</a:t>
+            </a:r>
+            <a:r>
+              <a:rPr lang="en-US" sz="1600" b="1" dirty="0"/>
+              <a:t>/</a:t>
+            </a:r>
+            <a:r>
+              <a:rPr lang="en-US" sz="1600" b="1" dirty="0" err="1"/>
+              <a:t>mcoe</a:t>
+            </a:r>
+            <a:r>
+              <a:rPr lang="en-US" sz="1600" b="1" dirty="0"/>
+              <a:t>/</a:t>
+            </a:r>
+            <a:r>
+              <a:rPr lang="en-US" sz="1600" b="1" dirty="0" err="1"/>
+              <a:t>CommunityHealth</a:t>
+            </a:r>
+            <a:r>
+              <a:rPr lang="en-US" sz="1600" b="1" dirty="0"/>
+              <a:t>/content/</a:t>
+            </a:r>
+            <a:r>
+              <a:rPr lang="en-US" sz="1600" b="1" dirty="0" err="1"/>
+              <a:t>pdf</a:t>
+            </a:r>
+            <a:r>
+              <a:rPr lang="en-US" sz="1600" b="1" dirty="0"/>
+              <a:t>/Step%20Conversion%</a:t>
+            </a:r>
+            <a:r>
+              <a:rPr lang="en-US" sz="1600" b="1" dirty="0" smtClean="0"/>
+              <a:t>20Chart.pdf&gt;</a:t>
+            </a:r>
+            <a:r>
+              <a:rPr lang="en-US" sz="2800" b="1" dirty="0" smtClean="0"/>
+              <a:t> </a:t>
+            </a:r>
+            <a:endParaRPr lang="en-US" sz="2800" dirty="0"/>
+          </a:p>
+        </p:txBody>
+      </p:sp>
+      <p:pic>
+        <p:nvPicPr>
+          <p:cNvPr id="5" name="Picture 4"/>
+          <p:cNvPicPr>
+            <a:picLocks noChangeAspect="1"/>
+          </p:cNvPicPr>
+          <p:nvPr/>
+        </p:nvPicPr>
+        <p:blipFill>
+          <a:blip r:embed="rId2">
+            <a:extLst>
+              <a:ext uri="{28A0092B-C50C-407E-A947-70E740481C1C}">
+                <a14:useLocalDpi xmlns:a14="http://schemas.microsoft.com/office/drawing/2010/main" val="0"/>
+              </a:ext>
+            </a:extLst>
+          </a:blip>
+          <a:stretch>
+            <a:fillRect/>
+          </a:stretch>
+        </p:blipFill>
+        <p:spPr>
+          <a:xfrm rot="5400000">
+            <a:off x="5951227" y="1215873"/>
+            <a:ext cx="5554133" cy="4165600"/>
+          </a:xfrm>
+          <a:prstGeom prst="rect">
+            <a:avLst/>
+          </a:prstGeom>
+        </p:spPr>
+      </p:pic>
     </p:spTree>
     <p:extLst>
       <p:ext uri="{BB962C8B-B14F-4D97-AF65-F5344CB8AC3E}">
-        <p14:creationId xmlns:p14="http://schemas.microsoft.com/office/powerpoint/2010/main" val="361227893"/>
+        <p14:creationId xmlns:p14="http://schemas.microsoft.com/office/powerpoint/2010/main" val="3457511621"/>
       </p:ext>
     </p:extLst>
   </p:cSld>
@@ -4212,7 +4233,7 @@
           <a:p>
             <a:r>
               <a:rPr lang="en-US" sz="2800" b="1" dirty="0" smtClean="0"/>
-              <a:t>Memory Saving</a:t>
+              <a:t>Trainer Mode</a:t>
             </a:r>
             <a:endParaRPr lang="en-US" sz="2800" b="1" dirty="0"/>
           </a:p>
@@ -4258,7 +4279,7 @@
           </a:lstStyle>
           <a:p>
             <a:r>
-              <a:rPr lang="en-US" dirty="0" smtClean="0"/>
+              <a:rPr lang="en-US" smtClean="0"/>
               <a:t>Special Features </a:t>
             </a:r>
             <a:endParaRPr lang="en-US" dirty="0"/>
@@ -4276,7 +4297,7 @@
         <p:spPr>
           <a:xfrm>
             <a:off x="160979" y="1633846"/>
-            <a:ext cx="6331881" cy="2158514"/>
+            <a:ext cx="6331881" cy="1677340"/>
           </a:xfrm>
           <a:prstGeom prst="rect">
             <a:avLst/>
@@ -4310,7 +4331,7 @@
             </a:pPr>
             <a:r>
               <a:rPr lang="en-US" sz="2800" dirty="0" smtClean="0"/>
-              <a:t>Stored most LCD prints to flash rather than RAM using Arduino F command</a:t>
+              <a:t>User-sets desired activity level</a:t>
             </a:r>
           </a:p>
           <a:p>
@@ -4320,9 +4341,97 @@
             </a:pPr>
             <a:r>
               <a:rPr lang="en-US" sz="2800" dirty="0" smtClean="0"/>
-              <a:t>Saved all variables as unsigned integers</a:t>
-            </a:r>
-          </a:p>
+              <a:t>Pedometer will beep if the user falls below this activity level</a:t>
+            </a:r>
+            <a:endParaRPr lang="en-US" sz="2800" dirty="0"/>
+          </a:p>
+        </p:txBody>
+      </p:sp>
+      <p:sp>
+        <p:nvSpPr>
+          <p:cNvPr id="5" name="Title 3"/>
+          <p:cNvSpPr txBox="1">
+            <a:spLocks/>
+          </p:cNvSpPr>
+          <p:nvPr/>
+        </p:nvSpPr>
+        <p:spPr>
+          <a:xfrm>
+            <a:off x="160979" y="3674856"/>
+            <a:ext cx="3424933" cy="507659"/>
+          </a:xfrm>
+          <a:prstGeom prst="rect">
+            <a:avLst/>
+          </a:prstGeom>
+        </p:spPr>
+        <p:txBody>
+          <a:bodyPr/>
+          <a:lstStyle>
+            <a:lvl1pPr algn="l" defTabSz="914400" rtl="0" eaLnBrk="1" latinLnBrk="0" hangingPunct="1">
+              <a:lnSpc>
+                <a:spcPct val="90000"/>
+              </a:lnSpc>
+              <a:spcBef>
+                <a:spcPct val="0"/>
+              </a:spcBef>
+              <a:buNone/>
+              <a:defRPr sz="4400" kern="1200">
+                <a:solidFill>
+                  <a:schemeClr val="tx1"/>
+                </a:solidFill>
+                <a:latin typeface="+mj-lt"/>
+                <a:ea typeface="+mj-ea"/>
+                <a:cs typeface="+mj-cs"/>
+              </a:defRPr>
+            </a:lvl1pPr>
+          </a:lstStyle>
+          <a:p>
+            <a:r>
+              <a:rPr lang="en-US" sz="2800" b="1" dirty="0" smtClean="0"/>
+              <a:t>Timer</a:t>
+            </a:r>
+            <a:endParaRPr lang="en-US" sz="2800" dirty="0"/>
+          </a:p>
+        </p:txBody>
+      </p:sp>
+      <p:sp>
+        <p:nvSpPr>
+          <p:cNvPr id="6" name="Title 3"/>
+          <p:cNvSpPr txBox="1">
+            <a:spLocks/>
+          </p:cNvSpPr>
+          <p:nvPr/>
+        </p:nvSpPr>
+        <p:spPr>
+          <a:xfrm>
+            <a:off x="313379" y="4182515"/>
+            <a:ext cx="5831055" cy="1677340"/>
+          </a:xfrm>
+          <a:prstGeom prst="rect">
+            <a:avLst/>
+          </a:prstGeom>
+        </p:spPr>
+        <p:txBody>
+          <a:bodyPr/>
+          <a:lstStyle>
+            <a:lvl1pPr algn="l" defTabSz="914400" rtl="0" eaLnBrk="1" latinLnBrk="0" hangingPunct="1">
+              <a:lnSpc>
+                <a:spcPct val="90000"/>
+              </a:lnSpc>
+              <a:spcBef>
+                <a:spcPct val="0"/>
+              </a:spcBef>
+              <a:buNone/>
+              <a:defRPr sz="4400" kern="1200">
+                <a:solidFill>
+                  <a:schemeClr val="tx1"/>
+                </a:solidFill>
+                <a:latin typeface="+mj-lt"/>
+                <a:ea typeface="+mj-ea"/>
+                <a:cs typeface="+mj-cs"/>
+              </a:defRPr>
+            </a:lvl1pPr>
+          </a:lstStyle>
           <a:p>
             <a:pPr marL="457200" indent="-457200">
               <a:buFont typeface="Wingdings" charset="2"/>
@@ -4330,16 +4439,131 @@
             </a:pPr>
             <a:r>
               <a:rPr lang="en-US" sz="2800" dirty="0" smtClean="0"/>
-              <a:t>Only used 1 acceleration parameter for processing  </a:t>
+              <a:t>Timer will begin once user reaches activity level 3 </a:t>
             </a:r>
             <a:endParaRPr lang="en-US" sz="2800" dirty="0"/>
+          </a:p>
+        </p:txBody>
+      </p:sp>
+      <p:pic>
+        <p:nvPicPr>
+          <p:cNvPr id="7" name="Picture 6"/>
+          <p:cNvPicPr>
+            <a:picLocks noChangeAspect="1"/>
+          </p:cNvPicPr>
+          <p:nvPr/>
+        </p:nvPicPr>
+        <p:blipFill>
+          <a:blip r:embed="rId2">
+            <a:extLst>
+              <a:ext uri="{28A0092B-C50C-407E-A947-70E740481C1C}">
+                <a14:useLocalDpi xmlns:a14="http://schemas.microsoft.com/office/drawing/2010/main" val="0"/>
+              </a:ext>
+            </a:extLst>
+          </a:blip>
+          <a:stretch>
+            <a:fillRect/>
+          </a:stretch>
+        </p:blipFill>
+        <p:spPr>
+          <a:xfrm flipH="1">
+            <a:off x="6045110" y="1325563"/>
+            <a:ext cx="5892845" cy="4419634"/>
+          </a:xfrm>
+          <a:prstGeom prst="rect">
+            <a:avLst/>
+          </a:prstGeom>
+        </p:spPr>
+      </p:pic>
+      <p:sp>
+        <p:nvSpPr>
+          <p:cNvPr id="8" name="Rectangle 7"/>
+          <p:cNvSpPr/>
+          <p:nvPr/>
+        </p:nvSpPr>
+        <p:spPr>
+          <a:xfrm>
+            <a:off x="5841955" y="5745197"/>
+            <a:ext cx="6096000" cy="923330"/>
+          </a:xfrm>
+          <a:prstGeom prst="rect">
+            <a:avLst/>
+          </a:prstGeom>
+        </p:spPr>
+        <p:txBody>
+          <a:bodyPr>
+            <a:spAutoFit/>
+          </a:bodyPr>
+          <a:lstStyle/>
+          <a:p>
+            <a:r>
+              <a:rPr lang="en-US" smtClean="0"/>
+              <a:t>http://</a:t>
+            </a:r>
+            <a:r>
+              <a:rPr lang="en-US" dirty="0" err="1" smtClean="0"/>
+              <a:t>images.contentful.com</a:t>
+            </a:r>
+            <a:r>
+              <a:rPr lang="en-US" dirty="0" smtClean="0"/>
+              <a:t>/7h71s48744nc/ttbuWX4JtsGcpN25BIz41u/d6eb57c5801370b80e356e06f297f1af/Forrest-Gump-</a:t>
+            </a:r>
+            <a:r>
+              <a:rPr lang="en-US" dirty="0" err="1" smtClean="0"/>
+              <a:t>large.jpg</a:t>
+            </a:r>
+            <a:endParaRPr lang="en-US" dirty="0"/>
+          </a:p>
+        </p:txBody>
+      </p:sp>
+      <p:sp>
+        <p:nvSpPr>
+          <p:cNvPr id="9" name="Rectangle 8"/>
+          <p:cNvSpPr/>
+          <p:nvPr/>
+        </p:nvSpPr>
+        <p:spPr>
+          <a:xfrm>
+            <a:off x="5938684" y="925707"/>
+            <a:ext cx="5999271" cy="369332"/>
+          </a:xfrm>
+          <a:prstGeom prst="rect">
+            <a:avLst/>
+          </a:prstGeom>
+        </p:spPr>
+        <p:txBody>
+          <a:bodyPr wrap="none">
+            <a:spAutoFit/>
+          </a:bodyPr>
+          <a:lstStyle/>
+          <a:p>
+            <a:r>
+              <a:rPr lang="en-US" dirty="0"/>
+              <a:t>http://</a:t>
+            </a:r>
+            <a:r>
+              <a:rPr lang="en-US" dirty="0" err="1"/>
+              <a:t>kathynightingalelab.pratt.duke.edu</a:t>
+            </a:r>
+            <a:r>
+              <a:rPr lang="en-US" dirty="0"/>
+              <a:t>/members/</a:t>
+            </a:r>
+            <a:r>
+              <a:rPr lang="en-US" dirty="0" err="1"/>
+              <a:t>ningrui</a:t>
+            </a:r>
+            <a:r>
+              <a:rPr lang="en-US" dirty="0"/>
+              <a:t>-li</a:t>
+            </a:r>
           </a:p>
         </p:txBody>
       </p:sp>
     </p:spTree>
     <p:extLst>
       <p:ext uri="{BB962C8B-B14F-4D97-AF65-F5344CB8AC3E}">
-        <p14:creationId xmlns:p14="http://schemas.microsoft.com/office/powerpoint/2010/main" val="3500086924"/>
+        <p14:creationId xmlns:p14="http://schemas.microsoft.com/office/powerpoint/2010/main" val="361227893"/>
       </p:ext>
     </p:extLst>
   </p:cSld>
@@ -4604,7 +4828,7 @@
   <a:extraClrSchemeLst/>
   <a:extLst>
     <a:ext uri="{05A4C25C-085E-4340-85A3-A5531E510DB2}">
-      <thm15:themeFamily xmlns:thm15="http://schemas.microsoft.com/office/thememl/2012/main" xmlns="" name="Office Theme" id="{62F939B6-93AF-4DB8-9C6B-D6C7DFDC589F}" vid="{4A3C46E8-61CC-4603-A589-7422A47A8E4A}"/>
+      <thm15:themeFamily xmlns:thm15="http://schemas.microsoft.com/office/thememl/2012/main" name="Office Theme" id="{62F939B6-93AF-4DB8-9C6B-D6C7DFDC589F}" vid="{4A3C46E8-61CC-4603-A589-7422A47A8E4A}"/>
     </a:ext>
   </a:extLst>
 </a:theme>

--- a/Presentation.pptx
+++ b/Presentation.pptx
@@ -3155,7 +3155,7 @@
         <p:spPr>
           <a:xfrm>
             <a:off x="6394550" y="1825625"/>
-            <a:ext cx="4736899" cy="4351338"/>
+            <a:ext cx="4736899" cy="4351337"/>
           </a:xfrm>
         </p:spPr>
       </p:pic>
@@ -3662,15 +3662,7 @@
             </a:r>
             <a:r>
               <a:rPr lang="en-US" sz="2800" dirty="0" smtClean="0"/>
-              <a:t> </a:t>
-            </a:r>
-            <a:r>
-              <a:rPr lang="en-US" sz="2800" dirty="0" smtClean="0"/>
-              <a:t>Step Count </a:t>
-            </a:r>
-            <a:r>
-              <a:rPr lang="en-US" sz="2800" dirty="0" smtClean="0"/>
-              <a:t>Minimum</a:t>
+              <a:t> Step Count Minimum</a:t>
             </a:r>
           </a:p>
           <a:p>
@@ -3692,7 +3684,6 @@
               <a:rPr lang="en-US" sz="2800" dirty="0" smtClean="0"/>
               <a:t>1g Normalizing</a:t>
             </a:r>
-            <a:endParaRPr lang="en-US" sz="2800" dirty="0" smtClean="0"/>
           </a:p>
           <a:p>
             <a:pPr marL="457200" indent="-457200">

--- a/Presentation.pptx
+++ b/Presentation.pptx
@@ -111,7 +111,7 @@
   </p:defaultTextStyle>
   <p:extLst>
     <p:ext uri="{EFAFB233-063F-42B5-8137-9DF3F51BA10A}">
-      <p15:sldGuideLst xmlns:p15="http://schemas.microsoft.com/office/powerpoint/2012/main">
+      <p15:sldGuideLst xmlns:p15="http://schemas.microsoft.com/office/powerpoint/2012/main" xmlns="">
         <p15:guide id="1" orient="horz" pos="2160">
           <p15:clr>
             <a:srgbClr val="A4A3A4"/>
@@ -3053,6 +3053,13 @@
   <p:clrMapOvr>
     <a:masterClrMapping/>
   </p:clrMapOvr>
+  <p:timing>
+    <p:tnLst>
+      <p:par>
+        <p:cTn xmlns:p14="http://schemas.microsoft.com/office/powerpoint/2010/main" id="1" dur="indefinite" restart="never" nodeType="tmRoot"/>
+      </p:par>
+    </p:tnLst>
+  </p:timing>
 </p:sld>
 </file>
 
@@ -3172,7 +3179,7 @@
   <p:timing>
     <p:tnLst>
       <p:par>
-        <p:cTn id="1" dur="indefinite" restart="never" nodeType="tmRoot"/>
+        <p:cTn xmlns:p14="http://schemas.microsoft.com/office/powerpoint/2010/main" id="1" dur="indefinite" restart="never" nodeType="tmRoot"/>
       </p:par>
     </p:tnLst>
   </p:timing>
@@ -3301,7 +3308,7 @@
         <p:spPr>
           <a:xfrm>
             <a:off x="160979" y="1633846"/>
-            <a:ext cx="6331881" cy="2158514"/>
+            <a:ext cx="6331881" cy="2727316"/>
           </a:xfrm>
           <a:prstGeom prst="rect">
             <a:avLst/>
@@ -3345,7 +3352,11 @@
             </a:pPr>
             <a:r>
               <a:rPr lang="en-US" sz="2800" dirty="0" smtClean="0"/>
-              <a:t>Saved all variables as unsigned integers</a:t>
+              <a:t>Saved all variables as unsigned </a:t>
+            </a:r>
+            <a:r>
+              <a:rPr lang="en-US" sz="2800" dirty="0" smtClean="0"/>
+              <a:t>integers</a:t>
             </a:r>
           </a:p>
           <a:p>
@@ -3355,9 +3366,34 @@
             </a:pPr>
             <a:r>
               <a:rPr lang="en-US" sz="2800" dirty="0" smtClean="0"/>
-              <a:t>Only used 1 acceleration parameter for processing  </a:t>
-            </a:r>
-            <a:endParaRPr lang="en-US" sz="2800" dirty="0"/>
+              <a:t>Nothing stored on device</a:t>
+            </a:r>
+          </a:p>
+          <a:p>
+            <a:pPr marL="457200" indent="-457200">
+              <a:buFont typeface="Wingdings" charset="2"/>
+              <a:buChar char="§"/>
+            </a:pPr>
+            <a:r>
+              <a:rPr lang="en-US" sz="2800" dirty="0" smtClean="0"/>
+              <a:t>1 SD per user </a:t>
+            </a:r>
+            <a:endParaRPr lang="en-US" sz="200" dirty="0" smtClean="0"/>
+          </a:p>
+          <a:p>
+            <a:pPr marL="914400" lvl="1" indent="-457200">
+              <a:buFont typeface="Wingdings" charset="2"/>
+              <a:buChar char="§"/>
+            </a:pPr>
+            <a:r>
+              <a:rPr lang="en-US" sz="200" dirty="0" smtClean="0"/>
+              <a:t>1 SD per </a:t>
+            </a:r>
+            <a:r>
+              <a:rPr lang="en-US" sz="200" dirty="0" err="1" smtClean="0"/>
+              <a:t>pers</a:t>
+            </a:r>
+            <a:endParaRPr lang="en-US" sz="200" dirty="0" smtClean="0"/>
           </a:p>
         </p:txBody>
       </p:sp>
@@ -3391,6 +3427,247 @@
           </a:prstGeom>
         </p:spPr>
       </p:pic>
+      <p:pic>
+        <p:nvPicPr>
+          <p:cNvPr id="14" name="Picture 13"/>
+          <p:cNvPicPr>
+            <a:picLocks noChangeAspect="1"/>
+          </p:cNvPicPr>
+          <p:nvPr/>
+        </p:nvPicPr>
+        <p:blipFill rotWithShape="1">
+          <a:blip r:embed="rId2">
+            <a:extLst>
+              <a:ext uri="{28A0092B-C50C-407E-A947-70E740481C1C}">
+                <a14:useLocalDpi xmlns:a14="http://schemas.microsoft.com/office/drawing/2010/main" val="0"/>
+              </a:ext>
+            </a:extLst>
+          </a:blip>
+          <a:srcRect b="57257"/>
+          <a:stretch/>
+        </p:blipFill>
+        <p:spPr>
+          <a:xfrm>
+            <a:off x="6260918" y="0"/>
+            <a:ext cx="5926046" cy="6857999"/>
+          </a:xfrm>
+          <a:prstGeom prst="rect">
+            <a:avLst/>
+          </a:prstGeom>
+        </p:spPr>
+      </p:pic>
+      <p:pic>
+        <p:nvPicPr>
+          <p:cNvPr id="15" name="Picture 14"/>
+          <p:cNvPicPr>
+            <a:picLocks noChangeAspect="1"/>
+          </p:cNvPicPr>
+          <p:nvPr/>
+        </p:nvPicPr>
+        <p:blipFill rotWithShape="1">
+          <a:blip r:embed="rId2">
+            <a:extLst>
+              <a:ext uri="{28A0092B-C50C-407E-A947-70E740481C1C}">
+                <a14:useLocalDpi xmlns:a14="http://schemas.microsoft.com/office/drawing/2010/main" val="0"/>
+              </a:ext>
+            </a:extLst>
+          </a:blip>
+          <a:srcRect t="42743" b="14514"/>
+          <a:stretch/>
+        </p:blipFill>
+        <p:spPr>
+          <a:xfrm>
+            <a:off x="6265954" y="-1"/>
+            <a:ext cx="5926046" cy="6858000"/>
+          </a:xfrm>
+          <a:prstGeom prst="rect">
+            <a:avLst/>
+          </a:prstGeom>
+        </p:spPr>
+      </p:pic>
+      <p:pic>
+        <p:nvPicPr>
+          <p:cNvPr id="16" name="Picture 15"/>
+          <p:cNvPicPr>
+            <a:picLocks noChangeAspect="1"/>
+          </p:cNvPicPr>
+          <p:nvPr/>
+        </p:nvPicPr>
+        <p:blipFill rotWithShape="1">
+          <a:blip r:embed="rId2">
+            <a:extLst>
+              <a:ext uri="{28A0092B-C50C-407E-A947-70E740481C1C}">
+                <a14:useLocalDpi xmlns:a14="http://schemas.microsoft.com/office/drawing/2010/main" val="0"/>
+              </a:ext>
+            </a:extLst>
+          </a:blip>
+          <a:srcRect t="85486"/>
+          <a:stretch/>
+        </p:blipFill>
+        <p:spPr>
+          <a:xfrm>
+            <a:off x="6265954" y="-17685"/>
+            <a:ext cx="5926046" cy="2328725"/>
+          </a:xfrm>
+          <a:prstGeom prst="rect">
+            <a:avLst/>
+          </a:prstGeom>
+        </p:spPr>
+      </p:pic>
+      <p:sp>
+        <p:nvSpPr>
+          <p:cNvPr id="17" name="Title 3"/>
+          <p:cNvSpPr txBox="1">
+            <a:spLocks/>
+          </p:cNvSpPr>
+          <p:nvPr/>
+        </p:nvSpPr>
+        <p:spPr>
+          <a:xfrm>
+            <a:off x="143094" y="4033616"/>
+            <a:ext cx="2504132" cy="655091"/>
+          </a:xfrm>
+          <a:prstGeom prst="rect">
+            <a:avLst/>
+          </a:prstGeom>
+        </p:spPr>
+        <p:txBody>
+          <a:bodyPr/>
+          <a:lstStyle>
+            <a:lvl1pPr algn="l" defTabSz="914400" rtl="0" eaLnBrk="1" latinLnBrk="0" hangingPunct="1">
+              <a:lnSpc>
+                <a:spcPct val="90000"/>
+              </a:lnSpc>
+              <a:spcBef>
+                <a:spcPct val="0"/>
+              </a:spcBef>
+              <a:buNone/>
+              <a:defRPr sz="4400" kern="1200">
+                <a:solidFill>
+                  <a:schemeClr val="tx1"/>
+                </a:solidFill>
+                <a:latin typeface="+mj-lt"/>
+                <a:ea typeface="+mj-ea"/>
+                <a:cs typeface="+mj-cs"/>
+              </a:defRPr>
+            </a:lvl1pPr>
+          </a:lstStyle>
+          <a:p>
+            <a:r>
+              <a:rPr lang="en-US" sz="2800" b="1" dirty="0" smtClean="0"/>
+              <a:t>Battery</a:t>
+            </a:r>
+            <a:endParaRPr lang="en-US" sz="2800" b="1" dirty="0"/>
+          </a:p>
+        </p:txBody>
+      </p:sp>
+      <p:sp>
+        <p:nvSpPr>
+          <p:cNvPr id="19" name="TextBox 18"/>
+          <p:cNvSpPr txBox="1"/>
+          <p:nvPr/>
+        </p:nvSpPr>
+        <p:spPr>
+          <a:xfrm>
+            <a:off x="1251419" y="3249263"/>
+            <a:ext cx="184666" cy="369332"/>
+          </a:xfrm>
+          <a:prstGeom prst="rect">
+            <a:avLst/>
+          </a:prstGeom>
+          <a:noFill/>
+        </p:spPr>
+        <p:txBody>
+          <a:bodyPr wrap="none" rtlCol="0">
+            <a:spAutoFit/>
+          </a:bodyPr>
+          <a:lstStyle/>
+          <a:p>
+            <a:endParaRPr lang="en-US" dirty="0"/>
+          </a:p>
+        </p:txBody>
+      </p:sp>
+      <p:sp>
+        <p:nvSpPr>
+          <p:cNvPr id="20" name="TextBox 19"/>
+          <p:cNvSpPr txBox="1"/>
+          <p:nvPr/>
+        </p:nvSpPr>
+        <p:spPr>
+          <a:xfrm>
+            <a:off x="1101996" y="3249263"/>
+            <a:ext cx="184666" cy="369332"/>
+          </a:xfrm>
+          <a:prstGeom prst="rect">
+            <a:avLst/>
+          </a:prstGeom>
+          <a:noFill/>
+        </p:spPr>
+        <p:txBody>
+          <a:bodyPr wrap="none" rtlCol="0">
+            <a:spAutoFit/>
+          </a:bodyPr>
+          <a:lstStyle/>
+          <a:p>
+            <a:endParaRPr lang="en-US" dirty="0"/>
+          </a:p>
+        </p:txBody>
+      </p:sp>
+      <p:sp>
+        <p:nvSpPr>
+          <p:cNvPr id="21" name="Title 3"/>
+          <p:cNvSpPr txBox="1">
+            <a:spLocks/>
+          </p:cNvSpPr>
+          <p:nvPr/>
+        </p:nvSpPr>
+        <p:spPr>
+          <a:xfrm>
+            <a:off x="193299" y="4555994"/>
+            <a:ext cx="5831055" cy="1677340"/>
+          </a:xfrm>
+          <a:prstGeom prst="rect">
+            <a:avLst/>
+          </a:prstGeom>
+        </p:spPr>
+        <p:txBody>
+          <a:bodyPr/>
+          <a:lstStyle>
+            <a:lvl1pPr algn="l" defTabSz="914400" rtl="0" eaLnBrk="1" latinLnBrk="0" hangingPunct="1">
+              <a:lnSpc>
+                <a:spcPct val="90000"/>
+              </a:lnSpc>
+              <a:spcBef>
+                <a:spcPct val="0"/>
+              </a:spcBef>
+              <a:buNone/>
+              <a:defRPr sz="4400" kern="1200">
+                <a:solidFill>
+                  <a:schemeClr val="tx1"/>
+                </a:solidFill>
+                <a:latin typeface="+mj-lt"/>
+                <a:ea typeface="+mj-ea"/>
+                <a:cs typeface="+mj-cs"/>
+              </a:defRPr>
+            </a:lvl1pPr>
+          </a:lstStyle>
+          <a:p>
+            <a:pPr marL="457200" indent="-457200">
+              <a:buFont typeface="Wingdings" charset="2"/>
+              <a:buChar char="§"/>
+            </a:pPr>
+            <a:r>
+              <a:rPr lang="en-US" sz="2800" dirty="0" smtClean="0"/>
+              <a:t>8+ hours battery </a:t>
+            </a:r>
+            <a:r>
+              <a:rPr lang="en-US" sz="2800" dirty="0" smtClean="0"/>
+              <a:t>life </a:t>
+            </a:r>
+            <a:endParaRPr lang="en-US" sz="2800" dirty="0"/>
+          </a:p>
+        </p:txBody>
+      </p:sp>
     </p:spTree>
     <p:extLst>
       <p:ext uri="{BB962C8B-B14F-4D97-AF65-F5344CB8AC3E}">
@@ -3401,6 +3678,482 @@
   <p:clrMapOvr>
     <a:masterClrMapping/>
   </p:clrMapOvr>
+  <p:timing>
+    <p:tnLst>
+      <p:par>
+        <p:cTn xmlns:p14="http://schemas.microsoft.com/office/powerpoint/2010/main" id="1" dur="indefinite" restart="never" nodeType="tmRoot">
+          <p:childTnLst>
+            <p:seq concurrent="1" nextAc="seek">
+              <p:cTn id="2" dur="indefinite" nodeType="mainSeq">
+                <p:childTnLst>
+                  <p:par>
+                    <p:cTn id="3" fill="hold">
+                      <p:stCondLst>
+                        <p:cond delay="indefinite"/>
+                      </p:stCondLst>
+                      <p:childTnLst>
+                        <p:par>
+                          <p:cTn id="4" fill="hold">
+                            <p:stCondLst>
+                              <p:cond delay="0"/>
+                            </p:stCondLst>
+                            <p:childTnLst>
+                              <p:par>
+                                <p:cTn id="5" presetID="1" presetClass="exit" presetSubtype="0" fill="hold" nodeType="clickEffect">
+                                  <p:stCondLst>
+                                    <p:cond delay="0"/>
+                                  </p:stCondLst>
+                                  <p:childTnLst>
+                                    <p:set>
+                                      <p:cBhvr>
+                                        <p:cTn id="6" dur="1" fill="hold">
+                                          <p:stCondLst>
+                                            <p:cond delay="0"/>
+                                          </p:stCondLst>
+                                        </p:cTn>
+                                        <p:tgtEl>
+                                          <p:spTgt spid="5"/>
+                                        </p:tgtEl>
+                                        <p:attrNameLst>
+                                          <p:attrName>style.visibility</p:attrName>
+                                        </p:attrNameLst>
+                                      </p:cBhvr>
+                                      <p:to>
+                                        <p:strVal val="hidden"/>
+                                      </p:to>
+                                    </p:set>
+                                  </p:childTnLst>
+                                </p:cTn>
+                              </p:par>
+                              <p:par>
+                                <p:cTn id="7" presetID="2" presetClass="entr" presetSubtype="4" fill="hold" nodeType="withEffect">
+                                  <p:stCondLst>
+                                    <p:cond delay="0"/>
+                                  </p:stCondLst>
+                                  <p:childTnLst>
+                                    <p:set>
+                                      <p:cBhvr>
+                                        <p:cTn id="8" dur="1" fill="hold">
+                                          <p:stCondLst>
+                                            <p:cond delay="0"/>
+                                          </p:stCondLst>
+                                        </p:cTn>
+                                        <p:tgtEl>
+                                          <p:spTgt spid="14"/>
+                                        </p:tgtEl>
+                                        <p:attrNameLst>
+                                          <p:attrName>style.visibility</p:attrName>
+                                        </p:attrNameLst>
+                                      </p:cBhvr>
+                                      <p:to>
+                                        <p:strVal val="visible"/>
+                                      </p:to>
+                                    </p:set>
+                                    <p:anim calcmode="lin" valueType="num">
+                                      <p:cBhvr additive="base">
+                                        <p:cTn id="9" dur="500" fill="hold"/>
+                                        <p:tgtEl>
+                                          <p:spTgt spid="14"/>
+                                        </p:tgtEl>
+                                        <p:attrNameLst>
+                                          <p:attrName>ppt_x</p:attrName>
+                                        </p:attrNameLst>
+                                      </p:cBhvr>
+                                      <p:tavLst>
+                                        <p:tav tm="0">
+                                          <p:val>
+                                            <p:strVal val="#ppt_x"/>
+                                          </p:val>
+                                        </p:tav>
+                                        <p:tav tm="100000">
+                                          <p:val>
+                                            <p:strVal val="#ppt_x"/>
+                                          </p:val>
+                                        </p:tav>
+                                      </p:tavLst>
+                                    </p:anim>
+                                    <p:anim calcmode="lin" valueType="num">
+                                      <p:cBhvr additive="base">
+                                        <p:cTn id="10" dur="500" fill="hold"/>
+                                        <p:tgtEl>
+                                          <p:spTgt spid="14"/>
+                                        </p:tgtEl>
+                                        <p:attrNameLst>
+                                          <p:attrName>ppt_y</p:attrName>
+                                        </p:attrNameLst>
+                                      </p:cBhvr>
+                                      <p:tavLst>
+                                        <p:tav tm="0">
+                                          <p:val>
+                                            <p:strVal val="1+#ppt_h/2"/>
+                                          </p:val>
+                                        </p:tav>
+                                        <p:tav tm="100000">
+                                          <p:val>
+                                            <p:strVal val="#ppt_y"/>
+                                          </p:val>
+                                        </p:tav>
+                                      </p:tavLst>
+                                    </p:anim>
+                                  </p:childTnLst>
+                                </p:cTn>
+                              </p:par>
+                            </p:childTnLst>
+                          </p:cTn>
+                        </p:par>
+                      </p:childTnLst>
+                    </p:cTn>
+                  </p:par>
+                  <p:par>
+                    <p:cTn id="11" fill="hold">
+                      <p:stCondLst>
+                        <p:cond delay="indefinite"/>
+                      </p:stCondLst>
+                      <p:childTnLst>
+                        <p:par>
+                          <p:cTn id="12" fill="hold">
+                            <p:stCondLst>
+                              <p:cond delay="0"/>
+                            </p:stCondLst>
+                            <p:childTnLst>
+                              <p:par>
+                                <p:cTn id="13" presetID="2" presetClass="exit" presetSubtype="1" fill="hold" nodeType="clickEffect">
+                                  <p:stCondLst>
+                                    <p:cond delay="0"/>
+                                  </p:stCondLst>
+                                  <p:childTnLst>
+                                    <p:anim calcmode="lin" valueType="num">
+                                      <p:cBhvr additive="base">
+                                        <p:cTn id="14" dur="500"/>
+                                        <p:tgtEl>
+                                          <p:spTgt spid="14"/>
+                                        </p:tgtEl>
+                                        <p:attrNameLst>
+                                          <p:attrName>ppt_x</p:attrName>
+                                        </p:attrNameLst>
+                                      </p:cBhvr>
+                                      <p:tavLst>
+                                        <p:tav tm="0">
+                                          <p:val>
+                                            <p:strVal val="ppt_x"/>
+                                          </p:val>
+                                        </p:tav>
+                                        <p:tav tm="100000">
+                                          <p:val>
+                                            <p:strVal val="ppt_x"/>
+                                          </p:val>
+                                        </p:tav>
+                                      </p:tavLst>
+                                    </p:anim>
+                                    <p:anim calcmode="lin" valueType="num">
+                                      <p:cBhvr additive="base">
+                                        <p:cTn id="15" dur="500"/>
+                                        <p:tgtEl>
+                                          <p:spTgt spid="14"/>
+                                        </p:tgtEl>
+                                        <p:attrNameLst>
+                                          <p:attrName>ppt_y</p:attrName>
+                                        </p:attrNameLst>
+                                      </p:cBhvr>
+                                      <p:tavLst>
+                                        <p:tav tm="0">
+                                          <p:val>
+                                            <p:strVal val="ppt_y"/>
+                                          </p:val>
+                                        </p:tav>
+                                        <p:tav tm="100000">
+                                          <p:val>
+                                            <p:strVal val="0-ppt_h/2"/>
+                                          </p:val>
+                                        </p:tav>
+                                      </p:tavLst>
+                                    </p:anim>
+                                    <p:set>
+                                      <p:cBhvr>
+                                        <p:cTn id="16" dur="1" fill="hold">
+                                          <p:stCondLst>
+                                            <p:cond delay="499"/>
+                                          </p:stCondLst>
+                                        </p:cTn>
+                                        <p:tgtEl>
+                                          <p:spTgt spid="14"/>
+                                        </p:tgtEl>
+                                        <p:attrNameLst>
+                                          <p:attrName>style.visibility</p:attrName>
+                                        </p:attrNameLst>
+                                      </p:cBhvr>
+                                      <p:to>
+                                        <p:strVal val="hidden"/>
+                                      </p:to>
+                                    </p:set>
+                                  </p:childTnLst>
+                                </p:cTn>
+                              </p:par>
+                              <p:par>
+                                <p:cTn id="17" presetID="2" presetClass="entr" presetSubtype="4" fill="hold" nodeType="withEffect">
+                                  <p:stCondLst>
+                                    <p:cond delay="0"/>
+                                  </p:stCondLst>
+                                  <p:childTnLst>
+                                    <p:set>
+                                      <p:cBhvr>
+                                        <p:cTn id="18" dur="1" fill="hold">
+                                          <p:stCondLst>
+                                            <p:cond delay="0"/>
+                                          </p:stCondLst>
+                                        </p:cTn>
+                                        <p:tgtEl>
+                                          <p:spTgt spid="15"/>
+                                        </p:tgtEl>
+                                        <p:attrNameLst>
+                                          <p:attrName>style.visibility</p:attrName>
+                                        </p:attrNameLst>
+                                      </p:cBhvr>
+                                      <p:to>
+                                        <p:strVal val="visible"/>
+                                      </p:to>
+                                    </p:set>
+                                    <p:anim calcmode="lin" valueType="num">
+                                      <p:cBhvr additive="base">
+                                        <p:cTn id="19" dur="500" fill="hold"/>
+                                        <p:tgtEl>
+                                          <p:spTgt spid="15"/>
+                                        </p:tgtEl>
+                                        <p:attrNameLst>
+                                          <p:attrName>ppt_x</p:attrName>
+                                        </p:attrNameLst>
+                                      </p:cBhvr>
+                                      <p:tavLst>
+                                        <p:tav tm="0">
+                                          <p:val>
+                                            <p:strVal val="#ppt_x"/>
+                                          </p:val>
+                                        </p:tav>
+                                        <p:tav tm="100000">
+                                          <p:val>
+                                            <p:strVal val="#ppt_x"/>
+                                          </p:val>
+                                        </p:tav>
+                                      </p:tavLst>
+                                    </p:anim>
+                                    <p:anim calcmode="lin" valueType="num">
+                                      <p:cBhvr additive="base">
+                                        <p:cTn id="20" dur="500" fill="hold"/>
+                                        <p:tgtEl>
+                                          <p:spTgt spid="15"/>
+                                        </p:tgtEl>
+                                        <p:attrNameLst>
+                                          <p:attrName>ppt_y</p:attrName>
+                                        </p:attrNameLst>
+                                      </p:cBhvr>
+                                      <p:tavLst>
+                                        <p:tav tm="0">
+                                          <p:val>
+                                            <p:strVal val="1+#ppt_h/2"/>
+                                          </p:val>
+                                        </p:tav>
+                                        <p:tav tm="100000">
+                                          <p:val>
+                                            <p:strVal val="#ppt_y"/>
+                                          </p:val>
+                                        </p:tav>
+                                      </p:tavLst>
+                                    </p:anim>
+                                  </p:childTnLst>
+                                </p:cTn>
+                              </p:par>
+                            </p:childTnLst>
+                          </p:cTn>
+                        </p:par>
+                      </p:childTnLst>
+                    </p:cTn>
+                  </p:par>
+                  <p:par>
+                    <p:cTn id="21" fill="hold">
+                      <p:stCondLst>
+                        <p:cond delay="indefinite"/>
+                      </p:stCondLst>
+                      <p:childTnLst>
+                        <p:par>
+                          <p:cTn id="22" fill="hold">
+                            <p:stCondLst>
+                              <p:cond delay="0"/>
+                            </p:stCondLst>
+                            <p:childTnLst>
+                              <p:par>
+                                <p:cTn id="23" presetID="2" presetClass="exit" presetSubtype="1" fill="hold" nodeType="clickEffect">
+                                  <p:stCondLst>
+                                    <p:cond delay="0"/>
+                                  </p:stCondLst>
+                                  <p:childTnLst>
+                                    <p:anim calcmode="lin" valueType="num">
+                                      <p:cBhvr additive="base">
+                                        <p:cTn id="24" dur="500"/>
+                                        <p:tgtEl>
+                                          <p:spTgt spid="15"/>
+                                        </p:tgtEl>
+                                        <p:attrNameLst>
+                                          <p:attrName>ppt_x</p:attrName>
+                                        </p:attrNameLst>
+                                      </p:cBhvr>
+                                      <p:tavLst>
+                                        <p:tav tm="0">
+                                          <p:val>
+                                            <p:strVal val="ppt_x"/>
+                                          </p:val>
+                                        </p:tav>
+                                        <p:tav tm="100000">
+                                          <p:val>
+                                            <p:strVal val="ppt_x"/>
+                                          </p:val>
+                                        </p:tav>
+                                      </p:tavLst>
+                                    </p:anim>
+                                    <p:anim calcmode="lin" valueType="num">
+                                      <p:cBhvr additive="base">
+                                        <p:cTn id="25" dur="500"/>
+                                        <p:tgtEl>
+                                          <p:spTgt spid="15"/>
+                                        </p:tgtEl>
+                                        <p:attrNameLst>
+                                          <p:attrName>ppt_y</p:attrName>
+                                        </p:attrNameLst>
+                                      </p:cBhvr>
+                                      <p:tavLst>
+                                        <p:tav tm="0">
+                                          <p:val>
+                                            <p:strVal val="ppt_y"/>
+                                          </p:val>
+                                        </p:tav>
+                                        <p:tav tm="100000">
+                                          <p:val>
+                                            <p:strVal val="0-ppt_h/2"/>
+                                          </p:val>
+                                        </p:tav>
+                                      </p:tavLst>
+                                    </p:anim>
+                                    <p:set>
+                                      <p:cBhvr>
+                                        <p:cTn id="26" dur="1" fill="hold">
+                                          <p:stCondLst>
+                                            <p:cond delay="499"/>
+                                          </p:stCondLst>
+                                        </p:cTn>
+                                        <p:tgtEl>
+                                          <p:spTgt spid="15"/>
+                                        </p:tgtEl>
+                                        <p:attrNameLst>
+                                          <p:attrName>style.visibility</p:attrName>
+                                        </p:attrNameLst>
+                                      </p:cBhvr>
+                                      <p:to>
+                                        <p:strVal val="hidden"/>
+                                      </p:to>
+                                    </p:set>
+                                  </p:childTnLst>
+                                </p:cTn>
+                              </p:par>
+                              <p:par>
+                                <p:cTn id="27" presetID="2" presetClass="entr" presetSubtype="4" fill="hold" nodeType="withEffect">
+                                  <p:stCondLst>
+                                    <p:cond delay="0"/>
+                                  </p:stCondLst>
+                                  <p:childTnLst>
+                                    <p:set>
+                                      <p:cBhvr>
+                                        <p:cTn id="28" dur="1" fill="hold">
+                                          <p:stCondLst>
+                                            <p:cond delay="0"/>
+                                          </p:stCondLst>
+                                        </p:cTn>
+                                        <p:tgtEl>
+                                          <p:spTgt spid="16"/>
+                                        </p:tgtEl>
+                                        <p:attrNameLst>
+                                          <p:attrName>style.visibility</p:attrName>
+                                        </p:attrNameLst>
+                                      </p:cBhvr>
+                                      <p:to>
+                                        <p:strVal val="visible"/>
+                                      </p:to>
+                                    </p:set>
+                                    <p:anim calcmode="lin" valueType="num">
+                                      <p:cBhvr additive="base">
+                                        <p:cTn id="29" dur="500" fill="hold"/>
+                                        <p:tgtEl>
+                                          <p:spTgt spid="16"/>
+                                        </p:tgtEl>
+                                        <p:attrNameLst>
+                                          <p:attrName>ppt_x</p:attrName>
+                                        </p:attrNameLst>
+                                      </p:cBhvr>
+                                      <p:tavLst>
+                                        <p:tav tm="0">
+                                          <p:val>
+                                            <p:strVal val="#ppt_x"/>
+                                          </p:val>
+                                        </p:tav>
+                                        <p:tav tm="100000">
+                                          <p:val>
+                                            <p:strVal val="#ppt_x"/>
+                                          </p:val>
+                                        </p:tav>
+                                      </p:tavLst>
+                                    </p:anim>
+                                    <p:anim calcmode="lin" valueType="num">
+                                      <p:cBhvr additive="base">
+                                        <p:cTn id="30" dur="500" fill="hold"/>
+                                        <p:tgtEl>
+                                          <p:spTgt spid="16"/>
+                                        </p:tgtEl>
+                                        <p:attrNameLst>
+                                          <p:attrName>ppt_y</p:attrName>
+                                        </p:attrNameLst>
+                                      </p:cBhvr>
+                                      <p:tavLst>
+                                        <p:tav tm="0">
+                                          <p:val>
+                                            <p:strVal val="1+#ppt_h/2"/>
+                                          </p:val>
+                                        </p:tav>
+                                        <p:tav tm="100000">
+                                          <p:val>
+                                            <p:strVal val="#ppt_y"/>
+                                          </p:val>
+                                        </p:tav>
+                                      </p:tavLst>
+                                    </p:anim>
+                                  </p:childTnLst>
+                                </p:cTn>
+                              </p:par>
+                            </p:childTnLst>
+                          </p:cTn>
+                        </p:par>
+                      </p:childTnLst>
+                    </p:cTn>
+                  </p:par>
+                </p:childTnLst>
+              </p:cTn>
+              <p:prevCondLst>
+                <p:cond evt="onPrev" delay="0">
+                  <p:tgtEl>
+                    <p:sldTgt/>
+                  </p:tgtEl>
+                </p:cond>
+              </p:prevCondLst>
+              <p:nextCondLst>
+                <p:cond evt="onNext" delay="0">
+                  <p:tgtEl>
+                    <p:sldTgt/>
+                  </p:tgtEl>
+                </p:cond>
+              </p:nextCondLst>
+            </p:seq>
+          </p:childTnLst>
+        </p:cTn>
+      </p:par>
+    </p:tnLst>
+  </p:timing>
 </p:sld>
 </file>
 
@@ -3715,7 +4468,7 @@
   <p:timing>
     <p:tnLst>
       <p:par>
-        <p:cTn id="1" dur="indefinite" restart="never" nodeType="tmRoot"/>
+        <p:cTn xmlns:p14="http://schemas.microsoft.com/office/powerpoint/2010/main" id="1" dur="indefinite" restart="never" nodeType="tmRoot"/>
       </p:par>
     </p:tnLst>
   </p:timing>
@@ -4163,6 +4916,13 @@
   <p:clrMapOvr>
     <a:masterClrMapping/>
   </p:clrMapOvr>
+  <p:timing>
+    <p:tnLst>
+      <p:par>
+        <p:cTn xmlns:p14="http://schemas.microsoft.com/office/powerpoint/2010/main" id="1" dur="indefinite" restart="never" nodeType="tmRoot"/>
+      </p:par>
+    </p:tnLst>
+  </p:timing>
 </p:sld>
 </file>
 
@@ -4458,8 +5218,8 @@
         </p:blipFill>
         <p:spPr>
           <a:xfrm flipH="1">
-            <a:off x="6045110" y="1325563"/>
-            <a:ext cx="5892845" cy="4419634"/>
+            <a:off x="5841955" y="699029"/>
+            <a:ext cx="6248355" cy="4686267"/>
           </a:xfrm>
           <a:prstGeom prst="rect">
             <a:avLst/>
@@ -4474,8 +5234,8 @@
         </p:nvSpPr>
         <p:spPr>
           <a:xfrm>
-            <a:off x="5841955" y="5745197"/>
-            <a:ext cx="6096000" cy="923330"/>
+            <a:off x="5994310" y="5950020"/>
+            <a:ext cx="6096000" cy="523220"/>
           </a:xfrm>
           <a:prstGeom prst="rect">
             <a:avLst/>
@@ -4487,23 +5247,24 @@
           </a:bodyPr>
           <a:lstStyle/>
           <a:p>
-            <a:r>
-              <a:rPr lang="en-US" smtClean="0"/>
+            <a:pPr algn="r"/>
+            <a:r>
+              <a:rPr lang="en-US" sz="1400" dirty="0" smtClean="0"/>
               <a:t>http://</a:t>
             </a:r>
             <a:r>
-              <a:rPr lang="en-US" dirty="0" err="1" smtClean="0"/>
+              <a:rPr lang="en-US" sz="1400" dirty="0" err="1" smtClean="0"/>
               <a:t>images.contentful.com</a:t>
             </a:r>
             <a:r>
-              <a:rPr lang="en-US" dirty="0" smtClean="0"/>
+              <a:rPr lang="en-US" sz="1400" dirty="0" smtClean="0"/>
               <a:t>/7h71s48744nc/ttbuWX4JtsGcpN25BIz41u/d6eb57c5801370b80e356e06f297f1af/Forrest-Gump-</a:t>
             </a:r>
             <a:r>
-              <a:rPr lang="en-US" dirty="0" err="1" smtClean="0"/>
+              <a:rPr lang="en-US" sz="1400" dirty="0" err="1" smtClean="0"/>
               <a:t>large.jpg</a:t>
             </a:r>
-            <a:endParaRPr lang="en-US" dirty="0"/>
+            <a:endParaRPr lang="en-US" sz="1400" dirty="0"/>
           </a:p>
         </p:txBody>
       </p:sp>
@@ -4515,8 +5276,8 @@
         </p:nvSpPr>
         <p:spPr>
           <a:xfrm>
-            <a:off x="5938684" y="925707"/>
-            <a:ext cx="5999271" cy="369332"/>
+            <a:off x="7370248" y="6550223"/>
+            <a:ext cx="4720062" cy="307777"/>
           </a:xfrm>
           <a:prstGeom prst="rect">
             <a:avLst/>
@@ -4529,23 +5290,23 @@
           <a:lstStyle/>
           <a:p>
             <a:r>
-              <a:rPr lang="en-US" dirty="0"/>
+              <a:rPr lang="en-US" sz="1400" dirty="0"/>
               <a:t>http://</a:t>
             </a:r>
             <a:r>
-              <a:rPr lang="en-US" dirty="0" err="1"/>
+              <a:rPr lang="en-US" sz="1400" dirty="0" err="1"/>
               <a:t>kathynightingalelab.pratt.duke.edu</a:t>
             </a:r>
             <a:r>
-              <a:rPr lang="en-US" dirty="0"/>
+              <a:rPr lang="en-US" sz="1400" dirty="0"/>
               <a:t>/members/</a:t>
             </a:r>
             <a:r>
-              <a:rPr lang="en-US" dirty="0" err="1"/>
+              <a:rPr lang="en-US" sz="1400" dirty="0" err="1"/>
               <a:t>ningrui</a:t>
             </a:r>
             <a:r>
-              <a:rPr lang="en-US" dirty="0"/>
+              <a:rPr lang="en-US" sz="1400" dirty="0"/>
               <a:t>-li</a:t>
             </a:r>
           </a:p>
@@ -4561,6 +5322,13 @@
   <p:clrMapOvr>
     <a:masterClrMapping/>
   </p:clrMapOvr>
+  <p:timing>
+    <p:tnLst>
+      <p:par>
+        <p:cTn xmlns:p14="http://schemas.microsoft.com/office/powerpoint/2010/main" id="1" dur="indefinite" restart="never" nodeType="tmRoot"/>
+      </p:par>
+    </p:tnLst>
+  </p:timing>
 </p:sld>
 </file>
 
@@ -4819,7 +5587,7 @@
   <a:extraClrSchemeLst/>
   <a:extLst>
     <a:ext uri="{05A4C25C-085E-4340-85A3-A5531E510DB2}">
-      <thm15:themeFamily xmlns:thm15="http://schemas.microsoft.com/office/thememl/2012/main" name="Office Theme" id="{62F939B6-93AF-4DB8-9C6B-D6C7DFDC589F}" vid="{4A3C46E8-61CC-4603-A589-7422A47A8E4A}"/>
+      <thm15:themeFamily xmlns:thm15="http://schemas.microsoft.com/office/thememl/2012/main" xmlns="" name="Office Theme" id="{62F939B6-93AF-4DB8-9C6B-D6C7DFDC589F}" vid="{4A3C46E8-61CC-4603-A589-7422A47A8E4A}"/>
     </a:ext>
   </a:extLst>
 </a:theme>

--- a/Presentation.pptx
+++ b/Presentation.pptx
@@ -3558,58 +3558,6 @@
               <a:t>Battery</a:t>
             </a:r>
             <a:endParaRPr lang="en-US" sz="2800" b="1" dirty="0"/>
-          </a:p>
-        </p:txBody>
-      </p:sp>
-      <p:sp>
-        <p:nvSpPr>
-          <p:cNvPr id="19" name="TextBox 18"/>
-          <p:cNvSpPr txBox="1"/>
-          <p:nvPr/>
-        </p:nvSpPr>
-        <p:spPr>
-          <a:xfrm>
-            <a:off x="1251419" y="3249263"/>
-            <a:ext cx="184666" cy="369332"/>
-          </a:xfrm>
-          <a:prstGeom prst="rect">
-            <a:avLst/>
-          </a:prstGeom>
-          <a:noFill/>
-        </p:spPr>
-        <p:txBody>
-          <a:bodyPr wrap="none" rtlCol="0">
-            <a:spAutoFit/>
-          </a:bodyPr>
-          <a:lstStyle/>
-          <a:p>
-            <a:endParaRPr lang="en-US" dirty="0"/>
-          </a:p>
-        </p:txBody>
-      </p:sp>
-      <p:sp>
-        <p:nvSpPr>
-          <p:cNvPr id="20" name="TextBox 19"/>
-          <p:cNvSpPr txBox="1"/>
-          <p:nvPr/>
-        </p:nvSpPr>
-        <p:spPr>
-          <a:xfrm>
-            <a:off x="1101996" y="3249263"/>
-            <a:ext cx="184666" cy="369332"/>
-          </a:xfrm>
-          <a:prstGeom prst="rect">
-            <a:avLst/>
-          </a:prstGeom>
-          <a:noFill/>
-        </p:spPr>
-        <p:txBody>
-          <a:bodyPr wrap="none" rtlCol="0">
-            <a:spAutoFit/>
-          </a:bodyPr>
-          <a:lstStyle/>
-          <a:p>
-            <a:endParaRPr lang="en-US" dirty="0"/>
           </a:p>
         </p:txBody>
       </p:sp>
@@ -5082,7 +5030,11 @@
             </a:pPr>
             <a:r>
               <a:rPr lang="en-US" sz="2800" dirty="0" smtClean="0"/>
-              <a:t>User-sets desired activity level</a:t>
+              <a:t>User sets </a:t>
+            </a:r>
+            <a:r>
+              <a:rPr lang="en-US" sz="2800" dirty="0" smtClean="0"/>
+              <a:t>desired activity level</a:t>
             </a:r>
           </a:p>
           <a:p>

--- a/Presentation.pptx
+++ b/Presentation.pptx
@@ -3610,7 +3610,7 @@
             </a:r>
             <a:r>
               <a:rPr lang="en-US" sz="2800" dirty="0" smtClean="0"/>
-              <a:t>life </a:t>
+              <a:t>life on 1.2V rechargeable batteries </a:t>
             </a:r>
             <a:endParaRPr lang="en-US" sz="2800" dirty="0"/>
           </a:p>
@@ -4270,9 +4270,110 @@
           </a:prstGeom>
         </p:spPr>
       </p:pic>
+      <p:sp>
+        <p:nvSpPr>
+          <p:cNvPr id="12" name="Title 3"/>
+          <p:cNvSpPr txBox="1">
+            <a:spLocks/>
+          </p:cNvSpPr>
+          <p:nvPr/>
+        </p:nvSpPr>
+        <p:spPr>
+          <a:xfrm>
+            <a:off x="619773" y="4437134"/>
+            <a:ext cx="4972493" cy="538230"/>
+          </a:xfrm>
+          <a:prstGeom prst="rect">
+            <a:avLst/>
+          </a:prstGeom>
+        </p:spPr>
+        <p:txBody>
+          <a:bodyPr/>
+          <a:lstStyle>
+            <a:lvl1pPr algn="l" defTabSz="914400" rtl="0" eaLnBrk="1" latinLnBrk="0" hangingPunct="1">
+              <a:lnSpc>
+                <a:spcPct val="90000"/>
+              </a:lnSpc>
+              <a:spcBef>
+                <a:spcPct val="0"/>
+              </a:spcBef>
+              <a:buNone/>
+              <a:defRPr sz="4400" kern="1200">
+                <a:solidFill>
+                  <a:schemeClr val="tx1"/>
+                </a:solidFill>
+                <a:latin typeface="+mj-lt"/>
+                <a:ea typeface="+mj-ea"/>
+                <a:cs typeface="+mj-cs"/>
+              </a:defRPr>
+            </a:lvl1pPr>
+          </a:lstStyle>
+          <a:p>
+            <a:pPr marL="457200" indent="-457200">
+              <a:buFont typeface="Wingdings" charset="2"/>
+              <a:buChar char="§"/>
+            </a:pPr>
+            <a:r>
+              <a:rPr lang="en-US" sz="2800" dirty="0" smtClean="0"/>
+              <a:t>A rounded to integer</a:t>
+            </a:r>
+          </a:p>
+          <a:p>
+            <a:pPr marL="457200" indent="-457200">
+              <a:buFont typeface="Wingdings" charset="2"/>
+              <a:buChar char="§"/>
+            </a:pPr>
+            <a:r>
+              <a:rPr lang="en-US" sz="2800" dirty="0" smtClean="0"/>
+              <a:t>Counts on Deceleration </a:t>
+            </a:r>
+          </a:p>
+          <a:p>
+            <a:pPr marL="457200" indent="-457200">
+              <a:buFont typeface="Wingdings" charset="2"/>
+              <a:buChar char="§"/>
+            </a:pPr>
+            <a:r>
+              <a:rPr lang="en-US" sz="2800" dirty="0"/>
+              <a:t>6</a:t>
+            </a:r>
+            <a:r>
+              <a:rPr lang="en-US" sz="2800" dirty="0" smtClean="0"/>
+              <a:t> Step Count Minimum</a:t>
+            </a:r>
+          </a:p>
+          <a:p>
+            <a:pPr marL="457200" indent="-457200">
+              <a:buFont typeface="Wingdings" charset="2"/>
+              <a:buChar char="§"/>
+            </a:pPr>
+            <a:r>
+              <a:rPr lang="en-US" sz="2800" dirty="0" smtClean="0"/>
+              <a:t>Invalid Step Resetting</a:t>
+            </a:r>
+          </a:p>
+          <a:p>
+            <a:pPr marL="457200" indent="-457200">
+              <a:buFont typeface="Wingdings" charset="2"/>
+              <a:buChar char="§"/>
+            </a:pPr>
+            <a:r>
+              <a:rPr lang="en-US" sz="2800" dirty="0" smtClean="0"/>
+              <a:t>1g Normalizing</a:t>
+            </a:r>
+          </a:p>
+          <a:p>
+            <a:pPr marL="457200" indent="-457200">
+              <a:buFont typeface="Wingdings" charset="2"/>
+              <a:buChar char="§"/>
+            </a:pPr>
+            <a:endParaRPr lang="en-US" sz="2800" dirty="0"/>
+          </a:p>
+        </p:txBody>
+      </p:sp>
       <p:pic>
         <p:nvPicPr>
-          <p:cNvPr id="11" name="Picture 10"/>
+          <p:cNvPr id="2" name="Picture 1"/>
           <p:cNvPicPr>
             <a:picLocks noChangeAspect="1"/>
           </p:cNvPicPr>
@@ -4286,115 +4387,14 @@
         </p:blipFill>
         <p:spPr>
           <a:xfrm>
-            <a:off x="277406" y="1818477"/>
-            <a:ext cx="4712500" cy="942500"/>
+            <a:off x="619773" y="1938149"/>
+            <a:ext cx="3886210" cy="993336"/>
           </a:xfrm>
           <a:prstGeom prst="rect">
             <a:avLst/>
           </a:prstGeom>
         </p:spPr>
       </p:pic>
-      <p:sp>
-        <p:nvSpPr>
-          <p:cNvPr id="12" name="Title 3"/>
-          <p:cNvSpPr txBox="1">
-            <a:spLocks/>
-          </p:cNvSpPr>
-          <p:nvPr/>
-        </p:nvSpPr>
-        <p:spPr>
-          <a:xfrm>
-            <a:off x="619773" y="4437134"/>
-            <a:ext cx="4972493" cy="538230"/>
-          </a:xfrm>
-          <a:prstGeom prst="rect">
-            <a:avLst/>
-          </a:prstGeom>
-        </p:spPr>
-        <p:txBody>
-          <a:bodyPr/>
-          <a:lstStyle>
-            <a:lvl1pPr algn="l" defTabSz="914400" rtl="0" eaLnBrk="1" latinLnBrk="0" hangingPunct="1">
-              <a:lnSpc>
-                <a:spcPct val="90000"/>
-              </a:lnSpc>
-              <a:spcBef>
-                <a:spcPct val="0"/>
-              </a:spcBef>
-              <a:buNone/>
-              <a:defRPr sz="4400" kern="1200">
-                <a:solidFill>
-                  <a:schemeClr val="tx1"/>
-                </a:solidFill>
-                <a:latin typeface="+mj-lt"/>
-                <a:ea typeface="+mj-ea"/>
-                <a:cs typeface="+mj-cs"/>
-              </a:defRPr>
-            </a:lvl1pPr>
-          </a:lstStyle>
-          <a:p>
-            <a:pPr marL="457200" indent="-457200">
-              <a:buFont typeface="Wingdings" charset="2"/>
-              <a:buChar char="§"/>
-            </a:pPr>
-            <a:r>
-              <a:rPr lang="en-US" sz="2800" dirty="0" smtClean="0"/>
-              <a:t>A rounded to integer</a:t>
-            </a:r>
-          </a:p>
-          <a:p>
-            <a:pPr marL="457200" indent="-457200">
-              <a:buFont typeface="Wingdings" charset="2"/>
-              <a:buChar char="§"/>
-            </a:pPr>
-            <a:r>
-              <a:rPr lang="en-US" sz="2800" dirty="0" smtClean="0"/>
-              <a:t>Counts on Deceleration </a:t>
-            </a:r>
-          </a:p>
-          <a:p>
-            <a:pPr marL="457200" indent="-457200">
-              <a:buFont typeface="Wingdings" charset="2"/>
-              <a:buChar char="§"/>
-            </a:pPr>
-            <a:r>
-              <a:rPr lang="en-US" sz="2800" dirty="0"/>
-              <a:t>6</a:t>
-            </a:r>
-            <a:r>
-              <a:rPr lang="en-US" sz="2800" dirty="0" smtClean="0"/>
-              <a:t> Step Count Minimum</a:t>
-            </a:r>
-          </a:p>
-          <a:p>
-            <a:pPr marL="457200" indent="-457200">
-              <a:buFont typeface="Wingdings" charset="2"/>
-              <a:buChar char="§"/>
-            </a:pPr>
-            <a:r>
-              <a:rPr lang="en-US" sz="2800" dirty="0" smtClean="0"/>
-              <a:t>Invalid Step Resetting</a:t>
-            </a:r>
-          </a:p>
-          <a:p>
-            <a:pPr marL="457200" indent="-457200">
-              <a:buFont typeface="Wingdings" charset="2"/>
-              <a:buChar char="§"/>
-            </a:pPr>
-            <a:r>
-              <a:rPr lang="en-US" sz="2800" dirty="0" smtClean="0"/>
-              <a:t>1g Normalizing</a:t>
-            </a:r>
-          </a:p>
-          <a:p>
-            <a:pPr marL="457200" indent="-457200">
-              <a:buFont typeface="Wingdings" charset="2"/>
-              <a:buChar char="§"/>
-            </a:pPr>
-            <a:endParaRPr lang="en-US" sz="2800" dirty="0"/>
-          </a:p>
-        </p:txBody>
-      </p:sp>
     </p:spTree>
     <p:extLst>
       <p:ext uri="{BB962C8B-B14F-4D97-AF65-F5344CB8AC3E}">
